--- a/Project letrature/project_ppt.pptx
+++ b/Project letrature/project_ppt.pptx
@@ -5,7 +5,7 @@
     <p:sldMasterId id="2147483810" r:id="rId1"/>
   </p:sldMasterIdLst>
   <p:notesMasterIdLst>
-    <p:notesMasterId r:id="rId27"/>
+    <p:notesMasterId r:id="rId28"/>
   </p:notesMasterIdLst>
   <p:sldIdLst>
     <p:sldId id="256" r:id="rId2"/>
@@ -33,6 +33,7 @@
     <p:sldId id="260" r:id="rId24"/>
     <p:sldId id="274" r:id="rId25"/>
     <p:sldId id="261" r:id="rId26"/>
+    <p:sldId id="283" r:id="rId27"/>
   </p:sldIdLst>
   <p:sldSz cx="12192000" cy="6858000"/>
   <p:notesSz cx="6858000" cy="9144000"/>
@@ -133,7 +134,7 @@
   </p:defaultTextStyle>
   <p:extLst>
     <p:ext uri="{521415D9-36F7-43E2-AB2F-B90AF26B5E84}">
-      <p14:sectionLst xmlns:p14="http://schemas.microsoft.com/office/powerpoint/2010/main" xmlns="">
+      <p14:sectionLst xmlns="" xmlns:p14="http://schemas.microsoft.com/office/powerpoint/2010/main">
         <p14:section name="Default Section" id="{1709AB17-A0DF-4151-9302-FDFCA00A6D75}">
           <p14:sldIdLst>
             <p14:sldId id="256"/>
@@ -160,7 +161,7 @@
       </p14:sectionLst>
     </p:ext>
     <p:ext uri="{EFAFB233-063F-42B5-8137-9DF3F51BA10A}">
-      <p15:sldGuideLst xmlns:p15="http://schemas.microsoft.com/office/powerpoint/2012/main" xmlns="">
+      <p15:sldGuideLst xmlns="" xmlns:p15="http://schemas.microsoft.com/office/powerpoint/2012/main">
         <p15:guide id="1" orient="horz" pos="2160">
           <p15:clr>
             <a:srgbClr val="A4A3A4"/>
@@ -182,7 +183,7 @@
   <p:cmAuthor id="1" name="Tarun Verma" initials="TV" lastIdx="2" clrIdx="0">
     <p:extLst>
       <p:ext uri="{19B8F6BF-5375-455C-9EA6-DF929625EA0E}">
-        <p15:presenceInfo xmlns:p15="http://schemas.microsoft.com/office/powerpoint/2012/main" xmlns="" userId="12328a8a1cac093b" providerId="Windows Live"/>
+        <p15:presenceInfo xmlns="" xmlns:p15="http://schemas.microsoft.com/office/powerpoint/2012/main" userId="12328a8a1cac093b" providerId="Windows Live"/>
       </p:ext>
     </p:extLst>
   </p:cmAuthor>
@@ -196,7 +197,7 @@
     <p:text/>
     <p:extLst>
       <p:ext uri="{C676402C-5697-4E1C-873F-D02D1690AC5C}">
-        <p15:threadingInfo xmlns:p15="http://schemas.microsoft.com/office/powerpoint/2012/main" xmlns="" timeZoneBias="-330"/>
+        <p15:threadingInfo xmlns="" xmlns:p15="http://schemas.microsoft.com/office/powerpoint/2012/main" timeZoneBias="-330"/>
       </p:ext>
     </p:extLst>
   </p:cm>
@@ -210,7 +211,7 @@
     <p:text/>
     <p:extLst>
       <p:ext uri="{C676402C-5697-4E1C-873F-D02D1690AC5C}">
-        <p15:threadingInfo xmlns:p15="http://schemas.microsoft.com/office/powerpoint/2012/main" xmlns="" timeZoneBias="-330"/>
+        <p15:threadingInfo xmlns="" xmlns:p15="http://schemas.microsoft.com/office/powerpoint/2012/main" timeZoneBias="-330"/>
       </p:ext>
     </p:extLst>
   </p:cm>
@@ -300,7 +301,7 @@
             <a:fld id="{1252D0FE-5E30-45DE-9C63-F50EB893C606}" type="datetimeFigureOut">
               <a:rPr lang="en-IN" smtClean="0"/>
               <a:pPr/>
-              <a:t>25-04-2020</a:t>
+              <a:t>26-04-2020</a:t>
             </a:fld>
             <a:endParaRPr lang="en-IN"/>
           </a:p>
@@ -469,7 +470,7 @@
     </p:spTree>
     <p:extLst>
       <p:ext uri="{BB962C8B-B14F-4D97-AF65-F5344CB8AC3E}">
-        <p14:creationId xmlns:p14="http://schemas.microsoft.com/office/powerpoint/2010/main" xmlns="" val="2598052617"/>
+        <p14:creationId xmlns="" xmlns:p14="http://schemas.microsoft.com/office/powerpoint/2010/main" val="2598052617"/>
       </p:ext>
     </p:extLst>
   </p:cSld>
@@ -758,7 +759,7 @@
             <a:fld id="{2F669B78-F9AA-4692-8AFB-7CA7ABB16088}" type="datetimeFigureOut">
               <a:rPr lang="en-IN" smtClean="0"/>
               <a:pPr/>
-              <a:t>25-04-2020</a:t>
+              <a:t>26-04-2020</a:t>
             </a:fld>
             <a:endParaRPr lang="en-IN"/>
           </a:p>
@@ -897,7 +898,7 @@
     </p:spTree>
     <p:extLst>
       <p:ext uri="{BB962C8B-B14F-4D97-AF65-F5344CB8AC3E}">
-        <p14:creationId xmlns:p14="http://schemas.microsoft.com/office/powerpoint/2010/main" xmlns="" val="2832675995"/>
+        <p14:creationId xmlns="" xmlns:p14="http://schemas.microsoft.com/office/powerpoint/2010/main" val="2832675995"/>
       </p:ext>
     </p:extLst>
   </p:cSld>
@@ -1098,7 +1099,7 @@
             <a:fld id="{2F669B78-F9AA-4692-8AFB-7CA7ABB16088}" type="datetimeFigureOut">
               <a:rPr lang="en-IN" smtClean="0"/>
               <a:pPr/>
-              <a:t>25-04-2020</a:t>
+              <a:t>26-04-2020</a:t>
             </a:fld>
             <a:endParaRPr lang="en-IN"/>
           </a:p>
@@ -1237,7 +1238,7 @@
     </p:spTree>
     <p:extLst>
       <p:ext uri="{BB962C8B-B14F-4D97-AF65-F5344CB8AC3E}">
-        <p14:creationId xmlns:p14="http://schemas.microsoft.com/office/powerpoint/2010/main" xmlns="" val="1136343294"/>
+        <p14:creationId xmlns="" xmlns:p14="http://schemas.microsoft.com/office/powerpoint/2010/main" val="1136343294"/>
       </p:ext>
     </p:extLst>
   </p:cSld>
@@ -1501,7 +1502,7 @@
             <a:fld id="{2F669B78-F9AA-4692-8AFB-7CA7ABB16088}" type="datetimeFigureOut">
               <a:rPr lang="en-IN" smtClean="0"/>
               <a:pPr/>
-              <a:t>25-04-2020</a:t>
+              <a:t>26-04-2020</a:t>
             </a:fld>
             <a:endParaRPr lang="en-IN"/>
           </a:p>
@@ -1716,7 +1717,7 @@
     </p:spTree>
     <p:extLst>
       <p:ext uri="{BB962C8B-B14F-4D97-AF65-F5344CB8AC3E}">
-        <p14:creationId xmlns:p14="http://schemas.microsoft.com/office/powerpoint/2010/main" xmlns="" val="1584917057"/>
+        <p14:creationId xmlns="" xmlns:p14="http://schemas.microsoft.com/office/powerpoint/2010/main" val="1584917057"/>
       </p:ext>
     </p:extLst>
   </p:cSld>
@@ -1839,7 +1840,7 @@
             <a:fld id="{2F669B78-F9AA-4692-8AFB-7CA7ABB16088}" type="datetimeFigureOut">
               <a:rPr lang="en-IN" smtClean="0"/>
               <a:pPr/>
-              <a:t>25-04-2020</a:t>
+              <a:t>26-04-2020</a:t>
             </a:fld>
             <a:endParaRPr lang="en-IN"/>
           </a:p>
@@ -1978,7 +1979,7 @@
     </p:spTree>
     <p:extLst>
       <p:ext uri="{BB962C8B-B14F-4D97-AF65-F5344CB8AC3E}">
-        <p14:creationId xmlns:p14="http://schemas.microsoft.com/office/powerpoint/2010/main" xmlns="" val="1255812982"/>
+        <p14:creationId xmlns="" xmlns:p14="http://schemas.microsoft.com/office/powerpoint/2010/main" val="1255812982"/>
       </p:ext>
     </p:extLst>
   </p:cSld>
@@ -2161,7 +2162,7 @@
             <a:fld id="{2F669B78-F9AA-4692-8AFB-7CA7ABB16088}" type="datetimeFigureOut">
               <a:rPr lang="en-IN" smtClean="0"/>
               <a:pPr/>
-              <a:t>25-04-2020</a:t>
+              <a:t>26-04-2020</a:t>
             </a:fld>
             <a:endParaRPr lang="en-IN"/>
           </a:p>
@@ -2376,7 +2377,7 @@
     </p:spTree>
     <p:extLst>
       <p:ext uri="{BB962C8B-B14F-4D97-AF65-F5344CB8AC3E}">
-        <p14:creationId xmlns:p14="http://schemas.microsoft.com/office/powerpoint/2010/main" xmlns="" val="3619512775"/>
+        <p14:creationId xmlns="" xmlns:p14="http://schemas.microsoft.com/office/powerpoint/2010/main" val="3619512775"/>
       </p:ext>
     </p:extLst>
   </p:cSld>
@@ -2559,7 +2560,7 @@
             <a:fld id="{2F669B78-F9AA-4692-8AFB-7CA7ABB16088}" type="datetimeFigureOut">
               <a:rPr lang="en-IN" smtClean="0"/>
               <a:pPr/>
-              <a:t>25-04-2020</a:t>
+              <a:t>26-04-2020</a:t>
             </a:fld>
             <a:endParaRPr lang="en-IN"/>
           </a:p>
@@ -2698,7 +2699,7 @@
     </p:spTree>
     <p:extLst>
       <p:ext uri="{BB962C8B-B14F-4D97-AF65-F5344CB8AC3E}">
-        <p14:creationId xmlns:p14="http://schemas.microsoft.com/office/powerpoint/2010/main" xmlns="" val="3559520111"/>
+        <p14:creationId xmlns="" xmlns:p14="http://schemas.microsoft.com/office/powerpoint/2010/main" val="3559520111"/>
       </p:ext>
     </p:extLst>
   </p:cSld>
@@ -2818,7 +2819,7 @@
             <a:fld id="{2F669B78-F9AA-4692-8AFB-7CA7ABB16088}" type="datetimeFigureOut">
               <a:rPr lang="en-IN" smtClean="0"/>
               <a:pPr/>
-              <a:t>25-04-2020</a:t>
+              <a:t>26-04-2020</a:t>
             </a:fld>
             <a:endParaRPr lang="en-IN"/>
           </a:p>
@@ -2952,7 +2953,7 @@
     </p:spTree>
     <p:extLst>
       <p:ext uri="{BB962C8B-B14F-4D97-AF65-F5344CB8AC3E}">
-        <p14:creationId xmlns:p14="http://schemas.microsoft.com/office/powerpoint/2010/main" xmlns="" val="1506902780"/>
+        <p14:creationId xmlns="" xmlns:p14="http://schemas.microsoft.com/office/powerpoint/2010/main" val="1506902780"/>
       </p:ext>
     </p:extLst>
   </p:cSld>
@@ -3082,7 +3083,7 @@
             <a:fld id="{2F669B78-F9AA-4692-8AFB-7CA7ABB16088}" type="datetimeFigureOut">
               <a:rPr lang="en-IN" smtClean="0"/>
               <a:pPr/>
-              <a:t>25-04-2020</a:t>
+              <a:t>26-04-2020</a:t>
             </a:fld>
             <a:endParaRPr lang="en-IN"/>
           </a:p>
@@ -3216,7 +3217,7 @@
     </p:spTree>
     <p:extLst>
       <p:ext uri="{BB962C8B-B14F-4D97-AF65-F5344CB8AC3E}">
-        <p14:creationId xmlns:p14="http://schemas.microsoft.com/office/powerpoint/2010/main" xmlns="" val="369909214"/>
+        <p14:creationId xmlns="" xmlns:p14="http://schemas.microsoft.com/office/powerpoint/2010/main" val="369909214"/>
       </p:ext>
     </p:extLst>
   </p:cSld>
@@ -3346,7 +3347,7 @@
             <a:fld id="{2F669B78-F9AA-4692-8AFB-7CA7ABB16088}" type="datetimeFigureOut">
               <a:rPr lang="en-IN" smtClean="0"/>
               <a:pPr/>
-              <a:t>25-04-2020</a:t>
+              <a:t>26-04-2020</a:t>
             </a:fld>
             <a:endParaRPr lang="en-IN"/>
           </a:p>
@@ -3480,7 +3481,7 @@
     </p:spTree>
     <p:extLst>
       <p:ext uri="{BB962C8B-B14F-4D97-AF65-F5344CB8AC3E}">
-        <p14:creationId xmlns:p14="http://schemas.microsoft.com/office/powerpoint/2010/main" xmlns="" val="3017200259"/>
+        <p14:creationId xmlns="" xmlns:p14="http://schemas.microsoft.com/office/powerpoint/2010/main" val="3017200259"/>
       </p:ext>
     </p:extLst>
   </p:cSld>
@@ -3677,7 +3678,7 @@
             <a:fld id="{2F669B78-F9AA-4692-8AFB-7CA7ABB16088}" type="datetimeFigureOut">
               <a:rPr lang="en-IN" smtClean="0"/>
               <a:pPr/>
-              <a:t>25-04-2020</a:t>
+              <a:t>26-04-2020</a:t>
             </a:fld>
             <a:endParaRPr lang="en-IN"/>
           </a:p>
@@ -3816,7 +3817,7 @@
     </p:spTree>
     <p:extLst>
       <p:ext uri="{BB962C8B-B14F-4D97-AF65-F5344CB8AC3E}">
-        <p14:creationId xmlns:p14="http://schemas.microsoft.com/office/powerpoint/2010/main" xmlns="" val="2732314535"/>
+        <p14:creationId xmlns="" xmlns:p14="http://schemas.microsoft.com/office/powerpoint/2010/main" val="2732314535"/>
       </p:ext>
     </p:extLst>
   </p:cSld>
@@ -4002,7 +4003,7 @@
             <a:fld id="{2F669B78-F9AA-4692-8AFB-7CA7ABB16088}" type="datetimeFigureOut">
               <a:rPr lang="en-IN" smtClean="0"/>
               <a:pPr/>
-              <a:t>25-04-2020</a:t>
+              <a:t>26-04-2020</a:t>
             </a:fld>
             <a:endParaRPr lang="en-IN"/>
           </a:p>
@@ -4141,7 +4142,7 @@
     </p:spTree>
     <p:extLst>
       <p:ext uri="{BB962C8B-B14F-4D97-AF65-F5344CB8AC3E}">
-        <p14:creationId xmlns:p14="http://schemas.microsoft.com/office/powerpoint/2010/main" xmlns="" val="2944525080"/>
+        <p14:creationId xmlns="" xmlns:p14="http://schemas.microsoft.com/office/powerpoint/2010/main" val="2944525080"/>
       </p:ext>
     </p:extLst>
   </p:cSld>
@@ -4461,7 +4462,7 @@
             <a:fld id="{2F669B78-F9AA-4692-8AFB-7CA7ABB16088}" type="datetimeFigureOut">
               <a:rPr lang="en-IN" smtClean="0"/>
               <a:pPr/>
-              <a:t>25-04-2020</a:t>
+              <a:t>26-04-2020</a:t>
             </a:fld>
             <a:endParaRPr lang="en-IN"/>
           </a:p>
@@ -4600,7 +4601,7 @@
     </p:spTree>
     <p:extLst>
       <p:ext uri="{BB962C8B-B14F-4D97-AF65-F5344CB8AC3E}">
-        <p14:creationId xmlns:p14="http://schemas.microsoft.com/office/powerpoint/2010/main" xmlns="" val="2552920587"/>
+        <p14:creationId xmlns="" xmlns:p14="http://schemas.microsoft.com/office/powerpoint/2010/main" val="2552920587"/>
       </p:ext>
     </p:extLst>
   </p:cSld>
@@ -4668,7 +4669,7 @@
             <a:fld id="{2F669B78-F9AA-4692-8AFB-7CA7ABB16088}" type="datetimeFigureOut">
               <a:rPr lang="en-IN" smtClean="0"/>
               <a:pPr/>
-              <a:t>25-04-2020</a:t>
+              <a:t>26-04-2020</a:t>
             </a:fld>
             <a:endParaRPr lang="en-IN"/>
           </a:p>
@@ -4802,7 +4803,7 @@
     </p:spTree>
     <p:extLst>
       <p:ext uri="{BB962C8B-B14F-4D97-AF65-F5344CB8AC3E}">
-        <p14:creationId xmlns:p14="http://schemas.microsoft.com/office/powerpoint/2010/main" xmlns="" val="746962661"/>
+        <p14:creationId xmlns="" xmlns:p14="http://schemas.microsoft.com/office/powerpoint/2010/main" val="746962661"/>
       </p:ext>
     </p:extLst>
   </p:cSld>
@@ -4847,7 +4848,7 @@
             <a:fld id="{2F669B78-F9AA-4692-8AFB-7CA7ABB16088}" type="datetimeFigureOut">
               <a:rPr lang="en-IN" smtClean="0"/>
               <a:pPr/>
-              <a:t>25-04-2020</a:t>
+              <a:t>26-04-2020</a:t>
             </a:fld>
             <a:endParaRPr lang="en-IN"/>
           </a:p>
@@ -4981,7 +4982,7 @@
     </p:spTree>
     <p:extLst>
       <p:ext uri="{BB962C8B-B14F-4D97-AF65-F5344CB8AC3E}">
-        <p14:creationId xmlns:p14="http://schemas.microsoft.com/office/powerpoint/2010/main" xmlns="" val="1124397907"/>
+        <p14:creationId xmlns="" xmlns:p14="http://schemas.microsoft.com/office/powerpoint/2010/main" val="1124397907"/>
       </p:ext>
     </p:extLst>
   </p:cSld>
@@ -5182,7 +5183,7 @@
             <a:fld id="{2F669B78-F9AA-4692-8AFB-7CA7ABB16088}" type="datetimeFigureOut">
               <a:rPr lang="en-IN" smtClean="0"/>
               <a:pPr/>
-              <a:t>25-04-2020</a:t>
+              <a:t>26-04-2020</a:t>
             </a:fld>
             <a:endParaRPr lang="en-IN"/>
           </a:p>
@@ -5316,7 +5317,7 @@
     </p:spTree>
     <p:extLst>
       <p:ext uri="{BB962C8B-B14F-4D97-AF65-F5344CB8AC3E}">
-        <p14:creationId xmlns:p14="http://schemas.microsoft.com/office/powerpoint/2010/main" xmlns="" val="767815197"/>
+        <p14:creationId xmlns="" xmlns:p14="http://schemas.microsoft.com/office/powerpoint/2010/main" val="767815197"/>
       </p:ext>
     </p:extLst>
   </p:cSld>
@@ -5529,7 +5530,7 @@
             <a:fld id="{2F669B78-F9AA-4692-8AFB-7CA7ABB16088}" type="datetimeFigureOut">
               <a:rPr lang="en-IN" smtClean="0"/>
               <a:pPr/>
-              <a:t>25-04-2020</a:t>
+              <a:t>26-04-2020</a:t>
             </a:fld>
             <a:endParaRPr lang="en-IN"/>
           </a:p>
@@ -5668,7 +5669,7 @@
     </p:spTree>
     <p:extLst>
       <p:ext uri="{BB962C8B-B14F-4D97-AF65-F5344CB8AC3E}">
-        <p14:creationId xmlns:p14="http://schemas.microsoft.com/office/powerpoint/2010/main" xmlns="" val="2825805858"/>
+        <p14:creationId xmlns="" xmlns:p14="http://schemas.microsoft.com/office/powerpoint/2010/main" val="2825805858"/>
       </p:ext>
     </p:extLst>
   </p:cSld>
@@ -7585,7 +7586,7 @@
             <a:fld id="{2F669B78-F9AA-4692-8AFB-7CA7ABB16088}" type="datetimeFigureOut">
               <a:rPr lang="en-IN" smtClean="0"/>
               <a:pPr/>
-              <a:t>25-04-2020</a:t>
+              <a:t>26-04-2020</a:t>
             </a:fld>
             <a:endParaRPr lang="en-IN"/>
           </a:p>
@@ -7671,7 +7672,7 @@
     </p:spTree>
     <p:extLst>
       <p:ext uri="{BB962C8B-B14F-4D97-AF65-F5344CB8AC3E}">
-        <p14:creationId xmlns:p14="http://schemas.microsoft.com/office/powerpoint/2010/main" xmlns="" val="3788863745"/>
+        <p14:creationId xmlns="" xmlns:p14="http://schemas.microsoft.com/office/powerpoint/2010/main" val="3788863745"/>
       </p:ext>
     </p:extLst>
   </p:cSld>
@@ -8233,19 +8234,7 @@
               <a:rPr lang="en-US" sz="2000" dirty="0" smtClean="0">
                 <a:latin typeface="Baskerville Old Face" panose="02020602080505020303" pitchFamily="18" charset="0"/>
               </a:rPr>
-              <a:t>– </a:t>
-            </a:r>
-            <a:r>
-              <a:rPr lang="en-US" sz="2000" dirty="0" smtClean="0">
-                <a:latin typeface="Baskerville Old Face" panose="02020602080505020303" pitchFamily="18" charset="0"/>
-              </a:rPr>
-              <a:t>61 </a:t>
-            </a:r>
-            <a:r>
-              <a:rPr lang="en-US" sz="2000" dirty="0" smtClean="0">
-                <a:latin typeface="Baskerville Old Face" panose="02020602080505020303" pitchFamily="18" charset="0"/>
-              </a:rPr>
-              <a:t>)</a:t>
+              <a:t>– 61 )</a:t>
             </a:r>
           </a:p>
           <a:p>
@@ -8258,7 +8247,7 @@
     </p:spTree>
     <p:extLst>
       <p:ext uri="{BB962C8B-B14F-4D97-AF65-F5344CB8AC3E}">
-        <p14:creationId xmlns:p14="http://schemas.microsoft.com/office/powerpoint/2010/main" xmlns="" val="2724423283"/>
+        <p14:creationId xmlns="" xmlns:p14="http://schemas.microsoft.com/office/powerpoint/2010/main" val="2724423283"/>
       </p:ext>
     </p:extLst>
   </p:cSld>
@@ -8377,7 +8366,6 @@
               <a:rPr lang="en-IN" sz="3200" dirty="0" smtClean="0"/>
               <a:t>	Noisy regions are found by simply locating the complex part of the cover image. </a:t>
             </a:r>
-            <a:endParaRPr lang="en-IN" sz="3200" dirty="0" smtClean="0"/>
           </a:p>
         </p:txBody>
       </p:sp>
@@ -8967,37 +8955,7 @@
                 <a:latin typeface="JBNKLH+ArialMT"/>
                 <a:cs typeface="JBNKLH+ArialMT"/>
               </a:rPr>
-              <a:t>1</a:t>
-            </a:r>
-            <a:r>
-              <a:rPr lang="en-IN" sz="1900" dirty="0" smtClean="0">
-                <a:solidFill>
-                  <a:schemeClr val="accent1"/>
-                </a:solidFill>
-                <a:latin typeface="JBNKLH+ArialMT"/>
-                <a:cs typeface="JBNKLH+ArialMT"/>
-              </a:rPr>
-              <a:t>	</a:t>
-            </a:r>
-            <a:r>
-              <a:rPr lang="en-IN" sz="1900" dirty="0" smtClean="0">
-                <a:solidFill>
-                  <a:schemeClr val="accent1"/>
-                </a:solidFill>
-                <a:latin typeface="JBNKLH+ArialMT"/>
-                <a:cs typeface="JBNKLH+ArialMT"/>
-              </a:rPr>
-              <a:t>0</a:t>
-            </a:r>
-            <a:r>
-              <a:rPr lang="en-IN" sz="1900" dirty="0" smtClean="0">
-                <a:solidFill>
-                  <a:schemeClr val="accent1"/>
-                </a:solidFill>
-                <a:latin typeface="JBNKLH+ArialMT"/>
-                <a:cs typeface="JBNKLH+ArialMT"/>
-              </a:rPr>
-              <a:t>	1	0</a:t>
+              <a:t>1	0	1	0</a:t>
             </a:r>
             <a:endParaRPr sz="1900" dirty="0">
               <a:solidFill>
@@ -9049,37 +9007,7 @@
                 <a:latin typeface="JBNKLH+ArialMT"/>
                 <a:cs typeface="JBNKLH+ArialMT"/>
               </a:rPr>
-              <a:t>1</a:t>
-            </a:r>
-            <a:r>
-              <a:rPr lang="en-IN" sz="1900" dirty="0" smtClean="0">
-                <a:solidFill>
-                  <a:schemeClr val="accent1"/>
-                </a:solidFill>
-                <a:latin typeface="JBNKLH+ArialMT"/>
-                <a:cs typeface="JBNKLH+ArialMT"/>
-              </a:rPr>
-              <a:t>	</a:t>
-            </a:r>
-            <a:r>
-              <a:rPr lang="en-IN" sz="1900" dirty="0" smtClean="0">
-                <a:solidFill>
-                  <a:schemeClr val="accent1"/>
-                </a:solidFill>
-                <a:latin typeface="JBNKLH+ArialMT"/>
-                <a:cs typeface="JBNKLH+ArialMT"/>
-              </a:rPr>
-              <a:t>0</a:t>
-            </a:r>
-            <a:r>
-              <a:rPr lang="en-IN" sz="1900" dirty="0" smtClean="0">
-                <a:solidFill>
-                  <a:schemeClr val="accent1"/>
-                </a:solidFill>
-                <a:latin typeface="JBNKLH+ArialMT"/>
-                <a:cs typeface="JBNKLH+ArialMT"/>
-              </a:rPr>
-              <a:t>	1	0</a:t>
+              <a:t>1	0	1	0</a:t>
             </a:r>
             <a:endParaRPr sz="1900" dirty="0">
               <a:solidFill>
@@ -9727,7 +9655,7 @@
     </p:spTree>
     <p:extLst>
       <p:ext uri="{BB962C8B-B14F-4D97-AF65-F5344CB8AC3E}">
-        <p14:creationId xmlns:p14="http://schemas.microsoft.com/office/powerpoint/2010/main" xmlns="" val="1717095262"/>
+        <p14:creationId xmlns="" xmlns:p14="http://schemas.microsoft.com/office/powerpoint/2010/main" val="1717095262"/>
       </p:ext>
     </p:extLst>
   </p:cSld>
@@ -9884,7 +9812,7 @@
     </p:spTree>
     <p:extLst>
       <p:ext uri="{BB962C8B-B14F-4D97-AF65-F5344CB8AC3E}">
-        <p14:creationId xmlns:p14="http://schemas.microsoft.com/office/powerpoint/2010/main" xmlns="" val="2992944003"/>
+        <p14:creationId xmlns="" xmlns:p14="http://schemas.microsoft.com/office/powerpoint/2010/main" val="2992944003"/>
       </p:ext>
     </p:extLst>
   </p:cSld>
@@ -10074,7 +10002,7 @@
     </p:spTree>
     <p:extLst>
       <p:ext uri="{BB962C8B-B14F-4D97-AF65-F5344CB8AC3E}">
-        <p14:creationId xmlns:p14="http://schemas.microsoft.com/office/powerpoint/2010/main" xmlns="" val="3968908613"/>
+        <p14:creationId xmlns="" xmlns:p14="http://schemas.microsoft.com/office/powerpoint/2010/main" val="3968908613"/>
       </p:ext>
     </p:extLst>
   </p:cSld>
@@ -10311,7 +10239,7 @@
     </p:spTree>
     <p:extLst>
       <p:ext uri="{BB962C8B-B14F-4D97-AF65-F5344CB8AC3E}">
-        <p14:creationId xmlns:p14="http://schemas.microsoft.com/office/powerpoint/2010/main" xmlns="" val="1379778435"/>
+        <p14:creationId xmlns="" xmlns:p14="http://schemas.microsoft.com/office/powerpoint/2010/main" val="1379778435"/>
       </p:ext>
     </p:extLst>
   </p:cSld>
@@ -10416,7 +10344,7 @@
     </p:spTree>
     <p:extLst>
       <p:ext uri="{BB962C8B-B14F-4D97-AF65-F5344CB8AC3E}">
-        <p14:creationId xmlns:p14="http://schemas.microsoft.com/office/powerpoint/2010/main" xmlns="" val="3097096989"/>
+        <p14:creationId xmlns="" xmlns:p14="http://schemas.microsoft.com/office/powerpoint/2010/main" val="3097096989"/>
       </p:ext>
     </p:extLst>
   </p:cSld>
@@ -10519,7 +10447,7 @@
     </p:spTree>
     <p:extLst>
       <p:ext uri="{BB962C8B-B14F-4D97-AF65-F5344CB8AC3E}">
-        <p14:creationId xmlns:p14="http://schemas.microsoft.com/office/powerpoint/2010/main" xmlns="" val="3184472628"/>
+        <p14:creationId xmlns="" xmlns:p14="http://schemas.microsoft.com/office/powerpoint/2010/main" val="3184472628"/>
       </p:ext>
     </p:extLst>
   </p:cSld>
@@ -10739,7 +10667,7 @@
     </p:spTree>
     <p:extLst>
       <p:ext uri="{BB962C8B-B14F-4D97-AF65-F5344CB8AC3E}">
-        <p14:creationId xmlns:p14="http://schemas.microsoft.com/office/powerpoint/2010/main" xmlns="" val="2052618121"/>
+        <p14:creationId xmlns="" xmlns:p14="http://schemas.microsoft.com/office/powerpoint/2010/main" val="2052618121"/>
       </p:ext>
     </p:extLst>
   </p:cSld>
@@ -10964,7 +10892,7 @@
     </p:spTree>
     <p:extLst>
       <p:ext uri="{BB962C8B-B14F-4D97-AF65-F5344CB8AC3E}">
-        <p14:creationId xmlns:p14="http://schemas.microsoft.com/office/powerpoint/2010/main" xmlns="" val="1027228061"/>
+        <p14:creationId xmlns="" xmlns:p14="http://schemas.microsoft.com/office/powerpoint/2010/main" val="1027228061"/>
       </p:ext>
     </p:extLst>
   </p:cSld>
@@ -11119,7 +11047,7 @@
     </p:spTree>
     <p:extLst>
       <p:ext uri="{BB962C8B-B14F-4D97-AF65-F5344CB8AC3E}">
-        <p14:creationId xmlns:p14="http://schemas.microsoft.com/office/powerpoint/2010/main" xmlns="" val="2020973106"/>
+        <p14:creationId xmlns="" xmlns:p14="http://schemas.microsoft.com/office/powerpoint/2010/main" val="2020973106"/>
       </p:ext>
     </p:extLst>
   </p:cSld>
@@ -12113,7 +12041,7 @@
     </p:spTree>
     <p:extLst>
       <p:ext uri="{BB962C8B-B14F-4D97-AF65-F5344CB8AC3E}">
-        <p14:creationId xmlns:p14="http://schemas.microsoft.com/office/powerpoint/2010/main" xmlns="" val="1361238431"/>
+        <p14:creationId xmlns="" xmlns:p14="http://schemas.microsoft.com/office/powerpoint/2010/main" val="1361238431"/>
       </p:ext>
     </p:extLst>
   </p:cSld>
@@ -13172,13 +13100,6 @@
               </a:rPr>
               <a:t>the stegano Image</a:t>
             </a:r>
-            <a:endParaRPr lang="en-US" sz="2800" dirty="0" smtClean="0">
-              <a:solidFill>
-                <a:schemeClr val="tx1"/>
-              </a:solidFill>
-              <a:latin typeface="Arial" pitchFamily="34" charset="0"/>
-              <a:cs typeface="Arial" pitchFamily="34" charset="0"/>
-            </a:endParaRPr>
           </a:p>
           <a:p>
             <a:pPr marL="0">
@@ -13222,7 +13143,7 @@
     </p:spTree>
     <p:extLst>
       <p:ext uri="{BB962C8B-B14F-4D97-AF65-F5344CB8AC3E}">
-        <p14:creationId xmlns:p14="http://schemas.microsoft.com/office/powerpoint/2010/main" xmlns="" val="2347577460"/>
+        <p14:creationId xmlns="" xmlns:p14="http://schemas.microsoft.com/office/powerpoint/2010/main" val="2347577460"/>
       </p:ext>
     </p:extLst>
   </p:cSld>
@@ -13305,7 +13226,7 @@
     </p:spTree>
     <p:extLst>
       <p:ext uri="{BB962C8B-B14F-4D97-AF65-F5344CB8AC3E}">
-        <p14:creationId xmlns:p14="http://schemas.microsoft.com/office/powerpoint/2010/main" xmlns="" val="1912276581"/>
+        <p14:creationId xmlns="" xmlns:p14="http://schemas.microsoft.com/office/powerpoint/2010/main" val="1912276581"/>
       </p:ext>
     </p:extLst>
   </p:cSld>
@@ -13319,6 +13240,1791 @@
       </p:par>
     </p:tnLst>
   </p:timing>
+</p:sld>
+</file>
+
+<file path=ppt/slides/slide26.xml><?xml version="1.0" encoding="utf-8"?>
+<p:sld xmlns:a="http://schemas.openxmlformats.org/drawingml/2006/main" xmlns:r="http://schemas.openxmlformats.org/officeDocument/2006/relationships" xmlns:p="http://schemas.openxmlformats.org/presentationml/2006/main">
+  <p:cSld>
+    <p:spTree>
+      <p:nvGrpSpPr>
+        <p:cNvPr id="1" name=""/>
+        <p:cNvGrpSpPr/>
+        <p:nvPr/>
+      </p:nvGrpSpPr>
+      <p:grpSpPr>
+        <a:xfrm>
+          <a:off x="0" y="0"/>
+          <a:ext cx="0" cy="0"/>
+          <a:chOff x="0" y="0"/>
+          <a:chExt cx="0" cy="0"/>
+        </a:xfrm>
+      </p:grpSpPr>
+      <p:sp>
+        <p:nvSpPr>
+          <p:cNvPr id="3" name="Rectangle 2"/>
+          <p:cNvSpPr/>
+          <p:nvPr/>
+        </p:nvSpPr>
+        <p:spPr>
+          <a:xfrm>
+            <a:off x="2139696" y="941832"/>
+            <a:ext cx="1179576" cy="512064"/>
+          </a:xfrm>
+          <a:prstGeom prst="rect">
+            <a:avLst/>
+          </a:prstGeom>
+          <a:solidFill>
+            <a:schemeClr val="tx1"/>
+          </a:solidFill>
+          <a:ln>
+            <a:solidFill>
+              <a:schemeClr val="bg1"/>
+            </a:solidFill>
+          </a:ln>
+        </p:spPr>
+        <p:style>
+          <a:lnRef idx="2">
+            <a:schemeClr val="accent1">
+              <a:shade val="50000"/>
+            </a:schemeClr>
+          </a:lnRef>
+          <a:fillRef idx="1">
+            <a:schemeClr val="accent1"/>
+          </a:fillRef>
+          <a:effectRef idx="0">
+            <a:schemeClr val="accent1"/>
+          </a:effectRef>
+          <a:fontRef idx="minor">
+            <a:schemeClr val="lt1"/>
+          </a:fontRef>
+        </p:style>
+        <p:txBody>
+          <a:bodyPr rtlCol="0" anchor="ctr"/>
+          <a:lstStyle/>
+          <a:p>
+            <a:pPr algn="ctr"/>
+            <a:r>
+              <a:rPr lang="en-IN" sz="1600" dirty="0" smtClean="0">
+                <a:solidFill>
+                  <a:schemeClr val="bg1"/>
+                </a:solidFill>
+              </a:rPr>
+              <a:t>Cover Image</a:t>
+            </a:r>
+            <a:endParaRPr lang="en-US" sz="1600" dirty="0">
+              <a:solidFill>
+                <a:schemeClr val="bg1"/>
+              </a:solidFill>
+            </a:endParaRPr>
+          </a:p>
+        </p:txBody>
+      </p:sp>
+      <p:sp>
+        <p:nvSpPr>
+          <p:cNvPr id="4" name="Rectangle 3"/>
+          <p:cNvSpPr/>
+          <p:nvPr/>
+        </p:nvSpPr>
+        <p:spPr>
+          <a:xfrm>
+            <a:off x="6300216" y="941832"/>
+            <a:ext cx="1234440" cy="475488"/>
+          </a:xfrm>
+          <a:prstGeom prst="rect">
+            <a:avLst/>
+          </a:prstGeom>
+          <a:solidFill>
+            <a:schemeClr val="tx1"/>
+          </a:solidFill>
+          <a:ln>
+            <a:solidFill>
+              <a:schemeClr val="bg1"/>
+            </a:solidFill>
+          </a:ln>
+        </p:spPr>
+        <p:style>
+          <a:lnRef idx="2">
+            <a:schemeClr val="accent1">
+              <a:shade val="50000"/>
+            </a:schemeClr>
+          </a:lnRef>
+          <a:fillRef idx="1">
+            <a:schemeClr val="accent1"/>
+          </a:fillRef>
+          <a:effectRef idx="0">
+            <a:schemeClr val="accent1"/>
+          </a:effectRef>
+          <a:fontRef idx="minor">
+            <a:schemeClr val="lt1"/>
+          </a:fontRef>
+        </p:style>
+        <p:txBody>
+          <a:bodyPr rtlCol="0" anchor="ctr"/>
+          <a:lstStyle/>
+          <a:p>
+            <a:pPr algn="ctr"/>
+            <a:r>
+              <a:rPr lang="en-IN" sz="1600" dirty="0" smtClean="0">
+                <a:solidFill>
+                  <a:schemeClr val="bg1"/>
+                </a:solidFill>
+              </a:rPr>
+              <a:t>Secret Text</a:t>
+            </a:r>
+            <a:endParaRPr lang="en-US" sz="1600" dirty="0">
+              <a:solidFill>
+                <a:schemeClr val="bg1"/>
+              </a:solidFill>
+            </a:endParaRPr>
+          </a:p>
+        </p:txBody>
+      </p:sp>
+      <p:sp>
+        <p:nvSpPr>
+          <p:cNvPr id="5" name="Rectangle 4"/>
+          <p:cNvSpPr/>
+          <p:nvPr/>
+        </p:nvSpPr>
+        <p:spPr>
+          <a:xfrm>
+            <a:off x="1344168" y="2084832"/>
+            <a:ext cx="3364992" cy="713232"/>
+          </a:xfrm>
+          <a:prstGeom prst="rect">
+            <a:avLst/>
+          </a:prstGeom>
+          <a:solidFill>
+            <a:schemeClr val="tx1"/>
+          </a:solidFill>
+          <a:ln>
+            <a:solidFill>
+              <a:schemeClr val="bg1"/>
+            </a:solidFill>
+          </a:ln>
+        </p:spPr>
+        <p:style>
+          <a:lnRef idx="2">
+            <a:schemeClr val="accent1">
+              <a:shade val="50000"/>
+            </a:schemeClr>
+          </a:lnRef>
+          <a:fillRef idx="1">
+            <a:schemeClr val="accent1"/>
+          </a:fillRef>
+          <a:effectRef idx="0">
+            <a:schemeClr val="accent1"/>
+          </a:effectRef>
+          <a:fontRef idx="minor">
+            <a:schemeClr val="lt1"/>
+          </a:fontRef>
+        </p:style>
+        <p:txBody>
+          <a:bodyPr rtlCol="0" anchor="ctr"/>
+          <a:lstStyle/>
+          <a:p>
+            <a:pPr algn="ctr"/>
+            <a:r>
+              <a:rPr lang="en-IN" sz="1600" dirty="0" smtClean="0">
+                <a:solidFill>
+                  <a:schemeClr val="bg1"/>
+                </a:solidFill>
+              </a:rPr>
+              <a:t>Divide the image in 8x8 different Bit-plane Blocks</a:t>
+            </a:r>
+            <a:endParaRPr lang="en-US" sz="1600" dirty="0">
+              <a:solidFill>
+                <a:schemeClr val="bg1"/>
+              </a:solidFill>
+            </a:endParaRPr>
+          </a:p>
+        </p:txBody>
+      </p:sp>
+      <p:sp>
+        <p:nvSpPr>
+          <p:cNvPr id="6" name="Rectangle 5"/>
+          <p:cNvSpPr/>
+          <p:nvPr/>
+        </p:nvSpPr>
+        <p:spPr>
+          <a:xfrm>
+            <a:off x="9473184" y="969264"/>
+            <a:ext cx="1271016" cy="429768"/>
+          </a:xfrm>
+          <a:prstGeom prst="rect">
+            <a:avLst/>
+          </a:prstGeom>
+          <a:solidFill>
+            <a:schemeClr val="tx1"/>
+          </a:solidFill>
+          <a:ln>
+            <a:solidFill>
+              <a:schemeClr val="bg1"/>
+            </a:solidFill>
+          </a:ln>
+        </p:spPr>
+        <p:style>
+          <a:lnRef idx="2">
+            <a:schemeClr val="accent1">
+              <a:shade val="50000"/>
+            </a:schemeClr>
+          </a:lnRef>
+          <a:fillRef idx="1">
+            <a:schemeClr val="accent1"/>
+          </a:fillRef>
+          <a:effectRef idx="0">
+            <a:schemeClr val="accent1"/>
+          </a:effectRef>
+          <a:fontRef idx="minor">
+            <a:schemeClr val="lt1"/>
+          </a:fontRef>
+        </p:style>
+        <p:txBody>
+          <a:bodyPr rtlCol="0" anchor="ctr"/>
+          <a:lstStyle/>
+          <a:p>
+            <a:pPr algn="ctr"/>
+            <a:r>
+              <a:rPr lang="en-IN" sz="1600" dirty="0" smtClean="0">
+                <a:solidFill>
+                  <a:schemeClr val="bg1"/>
+                </a:solidFill>
+              </a:rPr>
+              <a:t>Key</a:t>
+            </a:r>
+            <a:endParaRPr lang="en-US" sz="1600" dirty="0">
+              <a:solidFill>
+                <a:schemeClr val="bg1"/>
+              </a:solidFill>
+            </a:endParaRPr>
+          </a:p>
+        </p:txBody>
+      </p:sp>
+      <p:sp>
+        <p:nvSpPr>
+          <p:cNvPr id="7" name="Rectangle 6"/>
+          <p:cNvSpPr/>
+          <p:nvPr/>
+        </p:nvSpPr>
+        <p:spPr>
+          <a:xfrm>
+            <a:off x="5897880" y="2093976"/>
+            <a:ext cx="2231136" cy="640080"/>
+          </a:xfrm>
+          <a:prstGeom prst="rect">
+            <a:avLst/>
+          </a:prstGeom>
+          <a:solidFill>
+            <a:schemeClr val="tx1"/>
+          </a:solidFill>
+          <a:ln>
+            <a:solidFill>
+              <a:schemeClr val="bg1"/>
+            </a:solidFill>
+          </a:ln>
+        </p:spPr>
+        <p:style>
+          <a:lnRef idx="2">
+            <a:schemeClr val="accent1">
+              <a:shade val="50000"/>
+            </a:schemeClr>
+          </a:lnRef>
+          <a:fillRef idx="1">
+            <a:schemeClr val="accent1"/>
+          </a:fillRef>
+          <a:effectRef idx="0">
+            <a:schemeClr val="accent1"/>
+          </a:effectRef>
+          <a:fontRef idx="minor">
+            <a:schemeClr val="lt1"/>
+          </a:fontRef>
+        </p:style>
+        <p:txBody>
+          <a:bodyPr rtlCol="0" anchor="ctr"/>
+          <a:lstStyle/>
+          <a:p>
+            <a:pPr algn="ctr"/>
+            <a:r>
+              <a:rPr lang="en-IN" sz="1600" dirty="0" smtClean="0">
+                <a:solidFill>
+                  <a:schemeClr val="bg1"/>
+                </a:solidFill>
+              </a:rPr>
+              <a:t>Each character into 8-bit binary format</a:t>
+            </a:r>
+            <a:endParaRPr lang="en-US" sz="1600" dirty="0">
+              <a:solidFill>
+                <a:schemeClr val="bg1"/>
+              </a:solidFill>
+            </a:endParaRPr>
+          </a:p>
+        </p:txBody>
+      </p:sp>
+      <p:sp>
+        <p:nvSpPr>
+          <p:cNvPr id="8" name="Rectangle 7"/>
+          <p:cNvSpPr/>
+          <p:nvPr/>
+        </p:nvSpPr>
+        <p:spPr>
+          <a:xfrm>
+            <a:off x="9153144" y="2057400"/>
+            <a:ext cx="2203704" cy="649224"/>
+          </a:xfrm>
+          <a:prstGeom prst="rect">
+            <a:avLst/>
+          </a:prstGeom>
+          <a:solidFill>
+            <a:schemeClr val="tx1"/>
+          </a:solidFill>
+          <a:ln>
+            <a:solidFill>
+              <a:schemeClr val="bg1"/>
+            </a:solidFill>
+          </a:ln>
+        </p:spPr>
+        <p:style>
+          <a:lnRef idx="2">
+            <a:schemeClr val="accent1">
+              <a:shade val="50000"/>
+            </a:schemeClr>
+          </a:lnRef>
+          <a:fillRef idx="1">
+            <a:schemeClr val="accent1"/>
+          </a:fillRef>
+          <a:effectRef idx="0">
+            <a:schemeClr val="accent1"/>
+          </a:effectRef>
+          <a:fontRef idx="minor">
+            <a:schemeClr val="lt1"/>
+          </a:fontRef>
+        </p:style>
+        <p:txBody>
+          <a:bodyPr rtlCol="0" anchor="ctr"/>
+          <a:lstStyle/>
+          <a:p>
+            <a:pPr algn="ctr"/>
+            <a:r>
+              <a:rPr lang="en-IN" sz="1600" dirty="0" smtClean="0">
+                <a:solidFill>
+                  <a:schemeClr val="bg1"/>
+                </a:solidFill>
+              </a:rPr>
+              <a:t>XOR with key to provide encryption</a:t>
+            </a:r>
+            <a:endParaRPr lang="en-US" sz="1600" dirty="0">
+              <a:solidFill>
+                <a:schemeClr val="bg1"/>
+              </a:solidFill>
+            </a:endParaRPr>
+          </a:p>
+        </p:txBody>
+      </p:sp>
+      <p:sp>
+        <p:nvSpPr>
+          <p:cNvPr id="9" name="Rectangle 8"/>
+          <p:cNvSpPr/>
+          <p:nvPr/>
+        </p:nvSpPr>
+        <p:spPr>
+          <a:xfrm>
+            <a:off x="1316736" y="3236976"/>
+            <a:ext cx="3456432" cy="731520"/>
+          </a:xfrm>
+          <a:prstGeom prst="rect">
+            <a:avLst/>
+          </a:prstGeom>
+          <a:solidFill>
+            <a:schemeClr val="tx1"/>
+          </a:solidFill>
+          <a:ln>
+            <a:solidFill>
+              <a:schemeClr val="bg1"/>
+            </a:solidFill>
+          </a:ln>
+        </p:spPr>
+        <p:style>
+          <a:lnRef idx="2">
+            <a:schemeClr val="accent1">
+              <a:shade val="50000"/>
+            </a:schemeClr>
+          </a:lnRef>
+          <a:fillRef idx="1">
+            <a:schemeClr val="accent1"/>
+          </a:fillRef>
+          <a:effectRef idx="0">
+            <a:schemeClr val="accent1"/>
+          </a:effectRef>
+          <a:fontRef idx="minor">
+            <a:schemeClr val="lt1"/>
+          </a:fontRef>
+        </p:style>
+        <p:txBody>
+          <a:bodyPr rtlCol="0" anchor="ctr"/>
+          <a:lstStyle/>
+          <a:p>
+            <a:pPr algn="ctr"/>
+            <a:r>
+              <a:rPr lang="en-IN" sz="1600" dirty="0" smtClean="0">
+                <a:solidFill>
+                  <a:schemeClr val="bg1"/>
+                </a:solidFill>
+              </a:rPr>
+              <a:t>Calculate the complexity ratio(alpha) of every block and avg. of complexity values</a:t>
+            </a:r>
+            <a:endParaRPr lang="en-US" sz="1600" dirty="0">
+              <a:solidFill>
+                <a:schemeClr val="bg1"/>
+              </a:solidFill>
+            </a:endParaRPr>
+          </a:p>
+        </p:txBody>
+      </p:sp>
+      <p:sp>
+        <p:nvSpPr>
+          <p:cNvPr id="10" name="Rectangle 9"/>
+          <p:cNvSpPr/>
+          <p:nvPr/>
+        </p:nvSpPr>
+        <p:spPr>
+          <a:xfrm>
+            <a:off x="9171432" y="3264408"/>
+            <a:ext cx="2258568" cy="612648"/>
+          </a:xfrm>
+          <a:prstGeom prst="rect">
+            <a:avLst/>
+          </a:prstGeom>
+          <a:solidFill>
+            <a:schemeClr val="tx1"/>
+          </a:solidFill>
+          <a:ln>
+            <a:solidFill>
+              <a:schemeClr val="bg1"/>
+            </a:solidFill>
+          </a:ln>
+        </p:spPr>
+        <p:style>
+          <a:lnRef idx="2">
+            <a:schemeClr val="accent1">
+              <a:shade val="50000"/>
+            </a:schemeClr>
+          </a:lnRef>
+          <a:fillRef idx="1">
+            <a:schemeClr val="accent1"/>
+          </a:fillRef>
+          <a:effectRef idx="0">
+            <a:schemeClr val="accent1"/>
+          </a:effectRef>
+          <a:fontRef idx="minor">
+            <a:schemeClr val="lt1"/>
+          </a:fontRef>
+        </p:style>
+        <p:txBody>
+          <a:bodyPr rtlCol="0" anchor="ctr"/>
+          <a:lstStyle/>
+          <a:p>
+            <a:pPr algn="ctr"/>
+            <a:r>
+              <a:rPr lang="en-IN" sz="1600" dirty="0" smtClean="0">
+                <a:solidFill>
+                  <a:schemeClr val="bg1"/>
+                </a:solidFill>
+              </a:rPr>
+              <a:t>Divide data into different 8x8 blocks</a:t>
+            </a:r>
+            <a:endParaRPr lang="en-US" sz="1600" dirty="0">
+              <a:solidFill>
+                <a:schemeClr val="bg1"/>
+              </a:solidFill>
+            </a:endParaRPr>
+          </a:p>
+        </p:txBody>
+      </p:sp>
+      <p:sp>
+        <p:nvSpPr>
+          <p:cNvPr id="11" name="Rectangle 10"/>
+          <p:cNvSpPr/>
+          <p:nvPr/>
+        </p:nvSpPr>
+        <p:spPr>
+          <a:xfrm>
+            <a:off x="5879592" y="3227832"/>
+            <a:ext cx="2478024" cy="685800"/>
+          </a:xfrm>
+          <a:prstGeom prst="rect">
+            <a:avLst/>
+          </a:prstGeom>
+          <a:solidFill>
+            <a:schemeClr val="tx1"/>
+          </a:solidFill>
+          <a:ln>
+            <a:solidFill>
+              <a:schemeClr val="bg1"/>
+            </a:solidFill>
+          </a:ln>
+        </p:spPr>
+        <p:style>
+          <a:lnRef idx="2">
+            <a:schemeClr val="accent1">
+              <a:shade val="50000"/>
+            </a:schemeClr>
+          </a:lnRef>
+          <a:fillRef idx="1">
+            <a:schemeClr val="accent1"/>
+          </a:fillRef>
+          <a:effectRef idx="0">
+            <a:schemeClr val="accent1"/>
+          </a:effectRef>
+          <a:fontRef idx="minor">
+            <a:schemeClr val="lt1"/>
+          </a:fontRef>
+        </p:style>
+        <p:txBody>
+          <a:bodyPr rtlCol="0" anchor="ctr"/>
+          <a:lstStyle/>
+          <a:p>
+            <a:pPr algn="ctr"/>
+            <a:r>
+              <a:rPr lang="en-IN" sz="1500" dirty="0" smtClean="0">
+                <a:solidFill>
+                  <a:schemeClr val="bg1"/>
+                </a:solidFill>
+              </a:rPr>
+              <a:t>Calculate the complexity ratio(alpha) </a:t>
+            </a:r>
+            <a:r>
+              <a:rPr lang="en-IN" sz="1500" dirty="0" smtClean="0">
+                <a:solidFill>
+                  <a:schemeClr val="bg1"/>
+                </a:solidFill>
+              </a:rPr>
+              <a:t>of every block</a:t>
+            </a:r>
+            <a:endParaRPr lang="en-US" sz="1500" dirty="0">
+              <a:solidFill>
+                <a:schemeClr val="bg1"/>
+              </a:solidFill>
+            </a:endParaRPr>
+          </a:p>
+        </p:txBody>
+      </p:sp>
+      <p:sp>
+        <p:nvSpPr>
+          <p:cNvPr id="12" name="Diamond 11"/>
+          <p:cNvSpPr/>
+          <p:nvPr/>
+        </p:nvSpPr>
+        <p:spPr>
+          <a:xfrm>
+            <a:off x="1362456" y="4261104"/>
+            <a:ext cx="3227832" cy="850392"/>
+          </a:xfrm>
+          <a:prstGeom prst="diamond">
+            <a:avLst/>
+          </a:prstGeom>
+          <a:solidFill>
+            <a:schemeClr val="tx1"/>
+          </a:solidFill>
+          <a:ln>
+            <a:solidFill>
+              <a:schemeClr val="bg1"/>
+            </a:solidFill>
+          </a:ln>
+        </p:spPr>
+        <p:style>
+          <a:lnRef idx="2">
+            <a:schemeClr val="accent1">
+              <a:shade val="50000"/>
+            </a:schemeClr>
+          </a:lnRef>
+          <a:fillRef idx="1">
+            <a:schemeClr val="accent1"/>
+          </a:fillRef>
+          <a:effectRef idx="0">
+            <a:schemeClr val="accent1"/>
+          </a:effectRef>
+          <a:fontRef idx="minor">
+            <a:schemeClr val="lt1"/>
+          </a:fontRef>
+        </p:style>
+        <p:txBody>
+          <a:bodyPr rtlCol="0" anchor="ctr"/>
+          <a:lstStyle/>
+          <a:p>
+            <a:pPr algn="ctr"/>
+            <a:r>
+              <a:rPr lang="en-IN" sz="1100" dirty="0" smtClean="0">
+                <a:solidFill>
+                  <a:schemeClr val="bg1"/>
+                </a:solidFill>
+              </a:rPr>
+              <a:t>Avg. alpha </a:t>
+            </a:r>
+            <a:r>
+              <a:rPr lang="en-IN" sz="1100" b="1" dirty="0" smtClean="0">
+                <a:solidFill>
+                  <a:schemeClr val="bg1"/>
+                </a:solidFill>
+              </a:rPr>
+              <a:t>&lt;</a:t>
+            </a:r>
+            <a:r>
+              <a:rPr lang="en-IN" sz="1100" dirty="0" smtClean="0">
+                <a:solidFill>
+                  <a:schemeClr val="bg1"/>
+                </a:solidFill>
+              </a:rPr>
+              <a:t> alpha of current block</a:t>
+            </a:r>
+            <a:endParaRPr lang="en-US" sz="1100" dirty="0">
+              <a:solidFill>
+                <a:schemeClr val="bg1"/>
+              </a:solidFill>
+            </a:endParaRPr>
+          </a:p>
+        </p:txBody>
+      </p:sp>
+      <p:sp>
+        <p:nvSpPr>
+          <p:cNvPr id="13" name="Diamond 12"/>
+          <p:cNvSpPr/>
+          <p:nvPr/>
+        </p:nvSpPr>
+        <p:spPr>
+          <a:xfrm>
+            <a:off x="5724144" y="4251960"/>
+            <a:ext cx="2898648" cy="731520"/>
+          </a:xfrm>
+          <a:prstGeom prst="diamond">
+            <a:avLst/>
+          </a:prstGeom>
+          <a:solidFill>
+            <a:schemeClr val="tx1"/>
+          </a:solidFill>
+          <a:ln>
+            <a:solidFill>
+              <a:schemeClr val="bg1"/>
+            </a:solidFill>
+          </a:ln>
+        </p:spPr>
+        <p:style>
+          <a:lnRef idx="2">
+            <a:schemeClr val="accent1">
+              <a:shade val="50000"/>
+            </a:schemeClr>
+          </a:lnRef>
+          <a:fillRef idx="1">
+            <a:schemeClr val="accent1"/>
+          </a:fillRef>
+          <a:effectRef idx="0">
+            <a:schemeClr val="accent1"/>
+          </a:effectRef>
+          <a:fontRef idx="minor">
+            <a:schemeClr val="lt1"/>
+          </a:fontRef>
+        </p:style>
+        <p:txBody>
+          <a:bodyPr rtlCol="0" anchor="ctr"/>
+          <a:lstStyle/>
+          <a:p>
+            <a:pPr algn="ctr"/>
+            <a:r>
+              <a:rPr lang="en-IN" sz="1100" dirty="0" smtClean="0">
+                <a:solidFill>
+                  <a:schemeClr val="bg1"/>
+                </a:solidFill>
+              </a:rPr>
+              <a:t>Avg. alpha </a:t>
+            </a:r>
+            <a:r>
+              <a:rPr lang="en-IN" sz="1100" b="1" dirty="0" smtClean="0">
+                <a:solidFill>
+                  <a:schemeClr val="bg1"/>
+                </a:solidFill>
+              </a:rPr>
+              <a:t>&lt;</a:t>
+            </a:r>
+            <a:r>
+              <a:rPr lang="en-IN" sz="1100" dirty="0" smtClean="0">
+                <a:solidFill>
+                  <a:schemeClr val="bg1"/>
+                </a:solidFill>
+              </a:rPr>
+              <a:t> alpha of current block</a:t>
+            </a:r>
+            <a:endParaRPr lang="en-US" sz="1100" dirty="0">
+              <a:solidFill>
+                <a:schemeClr val="bg1"/>
+              </a:solidFill>
+            </a:endParaRPr>
+          </a:p>
+        </p:txBody>
+      </p:sp>
+      <p:sp>
+        <p:nvSpPr>
+          <p:cNvPr id="14" name="Rectangle 13"/>
+          <p:cNvSpPr/>
+          <p:nvPr/>
+        </p:nvSpPr>
+        <p:spPr>
+          <a:xfrm>
+            <a:off x="2276856" y="5742432"/>
+            <a:ext cx="1417320" cy="594360"/>
+          </a:xfrm>
+          <a:prstGeom prst="rect">
+            <a:avLst/>
+          </a:prstGeom>
+          <a:solidFill>
+            <a:schemeClr val="tx1"/>
+          </a:solidFill>
+          <a:ln>
+            <a:solidFill>
+              <a:schemeClr val="bg1"/>
+            </a:solidFill>
+          </a:ln>
+        </p:spPr>
+        <p:style>
+          <a:lnRef idx="2">
+            <a:schemeClr val="accent1">
+              <a:shade val="50000"/>
+            </a:schemeClr>
+          </a:lnRef>
+          <a:fillRef idx="1">
+            <a:schemeClr val="accent1"/>
+          </a:fillRef>
+          <a:effectRef idx="0">
+            <a:schemeClr val="accent1"/>
+          </a:effectRef>
+          <a:fontRef idx="minor">
+            <a:schemeClr val="lt1"/>
+          </a:fontRef>
+        </p:style>
+        <p:txBody>
+          <a:bodyPr rtlCol="0" anchor="ctr"/>
+          <a:lstStyle/>
+          <a:p>
+            <a:pPr algn="ctr"/>
+            <a:r>
+              <a:rPr lang="en-IN" sz="1200" dirty="0" smtClean="0">
+                <a:solidFill>
+                  <a:schemeClr val="bg1"/>
+                </a:solidFill>
+              </a:rPr>
+              <a:t>Patch the block with text data block </a:t>
+            </a:r>
+            <a:endParaRPr lang="en-US" sz="1200" dirty="0">
+              <a:solidFill>
+                <a:schemeClr val="bg1"/>
+              </a:solidFill>
+            </a:endParaRPr>
+          </a:p>
+        </p:txBody>
+      </p:sp>
+      <p:sp>
+        <p:nvSpPr>
+          <p:cNvPr id="15" name="Rectangle 14"/>
+          <p:cNvSpPr/>
+          <p:nvPr/>
+        </p:nvSpPr>
+        <p:spPr>
+          <a:xfrm>
+            <a:off x="9390888" y="4325112"/>
+            <a:ext cx="1929384" cy="649224"/>
+          </a:xfrm>
+          <a:prstGeom prst="rect">
+            <a:avLst/>
+          </a:prstGeom>
+          <a:solidFill>
+            <a:schemeClr val="tx1"/>
+          </a:solidFill>
+          <a:ln>
+            <a:solidFill>
+              <a:schemeClr val="bg1"/>
+            </a:solidFill>
+          </a:ln>
+        </p:spPr>
+        <p:style>
+          <a:lnRef idx="2">
+            <a:schemeClr val="accent1">
+              <a:shade val="50000"/>
+            </a:schemeClr>
+          </a:lnRef>
+          <a:fillRef idx="1">
+            <a:schemeClr val="accent1"/>
+          </a:fillRef>
+          <a:effectRef idx="0">
+            <a:schemeClr val="accent1"/>
+          </a:effectRef>
+          <a:fontRef idx="minor">
+            <a:schemeClr val="lt1"/>
+          </a:fontRef>
+        </p:style>
+        <p:txBody>
+          <a:bodyPr rtlCol="0" anchor="ctr"/>
+          <a:lstStyle/>
+          <a:p>
+            <a:pPr algn="ctr"/>
+            <a:r>
+              <a:rPr lang="en-IN" sz="1200" dirty="0" smtClean="0">
+                <a:solidFill>
+                  <a:schemeClr val="bg1"/>
+                </a:solidFill>
+              </a:rPr>
+              <a:t>XOR Block with complex pattern and make a record of it</a:t>
+            </a:r>
+            <a:endParaRPr lang="en-US" sz="1200" dirty="0">
+              <a:solidFill>
+                <a:schemeClr val="bg1"/>
+              </a:solidFill>
+            </a:endParaRPr>
+          </a:p>
+        </p:txBody>
+      </p:sp>
+      <p:sp>
+        <p:nvSpPr>
+          <p:cNvPr id="16" name="Rectangle 15"/>
+          <p:cNvSpPr/>
+          <p:nvPr/>
+        </p:nvSpPr>
+        <p:spPr>
+          <a:xfrm>
+            <a:off x="4645152" y="5724144"/>
+            <a:ext cx="1380744" cy="585216"/>
+          </a:xfrm>
+          <a:prstGeom prst="rect">
+            <a:avLst/>
+          </a:prstGeom>
+          <a:solidFill>
+            <a:schemeClr val="tx1"/>
+          </a:solidFill>
+          <a:ln>
+            <a:solidFill>
+              <a:schemeClr val="bg1"/>
+            </a:solidFill>
+          </a:ln>
+        </p:spPr>
+        <p:style>
+          <a:lnRef idx="2">
+            <a:schemeClr val="accent1">
+              <a:shade val="50000"/>
+            </a:schemeClr>
+          </a:lnRef>
+          <a:fillRef idx="1">
+            <a:schemeClr val="accent1"/>
+          </a:fillRef>
+          <a:effectRef idx="0">
+            <a:schemeClr val="accent1"/>
+          </a:effectRef>
+          <a:fontRef idx="minor">
+            <a:schemeClr val="lt1"/>
+          </a:fontRef>
+        </p:style>
+        <p:txBody>
+          <a:bodyPr rtlCol="0" anchor="ctr"/>
+          <a:lstStyle/>
+          <a:p>
+            <a:pPr algn="ctr"/>
+            <a:r>
+              <a:rPr lang="en-IN" sz="1200" dirty="0" smtClean="0">
+                <a:solidFill>
+                  <a:schemeClr val="bg1"/>
+                </a:solidFill>
+              </a:rPr>
+              <a:t>Embed the record in last part of image</a:t>
+            </a:r>
+            <a:endParaRPr lang="en-US" sz="1200" dirty="0">
+              <a:solidFill>
+                <a:schemeClr val="bg1"/>
+              </a:solidFill>
+            </a:endParaRPr>
+          </a:p>
+        </p:txBody>
+      </p:sp>
+      <p:sp>
+        <p:nvSpPr>
+          <p:cNvPr id="17" name="Oval 16"/>
+          <p:cNvSpPr/>
+          <p:nvPr/>
+        </p:nvSpPr>
+        <p:spPr>
+          <a:xfrm>
+            <a:off x="7315200" y="5760720"/>
+            <a:ext cx="1024128" cy="548640"/>
+          </a:xfrm>
+          <a:prstGeom prst="ellipse">
+            <a:avLst/>
+          </a:prstGeom>
+          <a:solidFill>
+            <a:schemeClr val="tx1"/>
+          </a:solidFill>
+          <a:ln>
+            <a:solidFill>
+              <a:schemeClr val="bg1"/>
+            </a:solidFill>
+          </a:ln>
+        </p:spPr>
+        <p:style>
+          <a:lnRef idx="2">
+            <a:schemeClr val="accent1">
+              <a:shade val="50000"/>
+            </a:schemeClr>
+          </a:lnRef>
+          <a:fillRef idx="1">
+            <a:schemeClr val="accent1"/>
+          </a:fillRef>
+          <a:effectRef idx="0">
+            <a:schemeClr val="accent1"/>
+          </a:effectRef>
+          <a:fontRef idx="minor">
+            <a:schemeClr val="lt1"/>
+          </a:fontRef>
+        </p:style>
+        <p:txBody>
+          <a:bodyPr rtlCol="0" anchor="ctr"/>
+          <a:lstStyle/>
+          <a:p>
+            <a:pPr algn="ctr"/>
+            <a:r>
+              <a:rPr lang="en-IN" dirty="0" smtClean="0">
+                <a:solidFill>
+                  <a:schemeClr val="bg1"/>
+                </a:solidFill>
+              </a:rPr>
+              <a:t>END</a:t>
+            </a:r>
+            <a:endParaRPr lang="en-US" dirty="0">
+              <a:solidFill>
+                <a:schemeClr val="bg1"/>
+              </a:solidFill>
+            </a:endParaRPr>
+          </a:p>
+        </p:txBody>
+      </p:sp>
+      <p:sp>
+        <p:nvSpPr>
+          <p:cNvPr id="18" name="Oval 17"/>
+          <p:cNvSpPr/>
+          <p:nvPr/>
+        </p:nvSpPr>
+        <p:spPr>
+          <a:xfrm>
+            <a:off x="4416552" y="118872"/>
+            <a:ext cx="1143000" cy="539496"/>
+          </a:xfrm>
+          <a:prstGeom prst="ellipse">
+            <a:avLst/>
+          </a:prstGeom>
+          <a:solidFill>
+            <a:schemeClr val="tx1"/>
+          </a:solidFill>
+          <a:ln>
+            <a:solidFill>
+              <a:schemeClr val="bg1"/>
+            </a:solidFill>
+          </a:ln>
+        </p:spPr>
+        <p:style>
+          <a:lnRef idx="2">
+            <a:schemeClr val="accent1">
+              <a:shade val="50000"/>
+            </a:schemeClr>
+          </a:lnRef>
+          <a:fillRef idx="1">
+            <a:schemeClr val="accent1"/>
+          </a:fillRef>
+          <a:effectRef idx="0">
+            <a:schemeClr val="accent1"/>
+          </a:effectRef>
+          <a:fontRef idx="minor">
+            <a:schemeClr val="lt1"/>
+          </a:fontRef>
+        </p:style>
+        <p:txBody>
+          <a:bodyPr rtlCol="0" anchor="ctr"/>
+          <a:lstStyle/>
+          <a:p>
+            <a:pPr algn="ctr"/>
+            <a:r>
+              <a:rPr lang="en-IN" dirty="0" smtClean="0">
+                <a:solidFill>
+                  <a:schemeClr val="bg1"/>
+                </a:solidFill>
+              </a:rPr>
+              <a:t>START</a:t>
+            </a:r>
+            <a:endParaRPr lang="en-US" dirty="0">
+              <a:solidFill>
+                <a:schemeClr val="bg1"/>
+              </a:solidFill>
+            </a:endParaRPr>
+          </a:p>
+        </p:txBody>
+      </p:sp>
+      <p:cxnSp>
+        <p:nvCxnSpPr>
+          <p:cNvPr id="20" name="Elbow Connector 19"/>
+          <p:cNvCxnSpPr>
+            <a:stCxn id="18" idx="4"/>
+          </p:cNvCxnSpPr>
+          <p:nvPr/>
+        </p:nvCxnSpPr>
+        <p:spPr>
+          <a:xfrm rot="5400000">
+            <a:off x="3883914" y="112014"/>
+            <a:ext cx="557784" cy="1650492"/>
+          </a:xfrm>
+          <a:prstGeom prst="bentConnector2">
+            <a:avLst/>
+          </a:prstGeom>
+          <a:ln>
+            <a:solidFill>
+              <a:schemeClr val="bg1"/>
+            </a:solidFill>
+            <a:tailEnd type="arrow"/>
+          </a:ln>
+        </p:spPr>
+        <p:style>
+          <a:lnRef idx="1">
+            <a:schemeClr val="accent1"/>
+          </a:lnRef>
+          <a:fillRef idx="0">
+            <a:schemeClr val="accent1"/>
+          </a:fillRef>
+          <a:effectRef idx="0">
+            <a:schemeClr val="accent1"/>
+          </a:effectRef>
+          <a:fontRef idx="minor">
+            <a:schemeClr val="tx1"/>
+          </a:fontRef>
+        </p:style>
+      </p:cxnSp>
+      <p:cxnSp>
+        <p:nvCxnSpPr>
+          <p:cNvPr id="25" name="Elbow Connector 19"/>
+          <p:cNvCxnSpPr/>
+          <p:nvPr/>
+        </p:nvCxnSpPr>
+        <p:spPr>
+          <a:xfrm>
+            <a:off x="5010912" y="704088"/>
+            <a:ext cx="1252728" cy="585216"/>
+          </a:xfrm>
+          <a:prstGeom prst="bentConnector3">
+            <a:avLst>
+              <a:gd name="adj1" fmla="val 50000"/>
+            </a:avLst>
+          </a:prstGeom>
+          <a:ln>
+            <a:solidFill>
+              <a:schemeClr val="bg1"/>
+            </a:solidFill>
+            <a:tailEnd type="arrow"/>
+          </a:ln>
+        </p:spPr>
+        <p:style>
+          <a:lnRef idx="1">
+            <a:schemeClr val="accent1"/>
+          </a:lnRef>
+          <a:fillRef idx="0">
+            <a:schemeClr val="accent1"/>
+          </a:fillRef>
+          <a:effectRef idx="0">
+            <a:schemeClr val="accent1"/>
+          </a:effectRef>
+          <a:fontRef idx="minor">
+            <a:schemeClr val="tx1"/>
+          </a:fontRef>
+        </p:style>
+      </p:cxnSp>
+      <p:cxnSp>
+        <p:nvCxnSpPr>
+          <p:cNvPr id="30" name="Elbow Connector 19"/>
+          <p:cNvCxnSpPr>
+            <a:stCxn id="18" idx="6"/>
+          </p:cNvCxnSpPr>
+          <p:nvPr/>
+        </p:nvCxnSpPr>
+        <p:spPr>
+          <a:xfrm>
+            <a:off x="5559552" y="388620"/>
+            <a:ext cx="3849624" cy="754380"/>
+          </a:xfrm>
+          <a:prstGeom prst="bentConnector3">
+            <a:avLst>
+              <a:gd name="adj1" fmla="val 91568"/>
+            </a:avLst>
+          </a:prstGeom>
+          <a:ln>
+            <a:solidFill>
+              <a:schemeClr val="bg1"/>
+            </a:solidFill>
+            <a:tailEnd type="arrow"/>
+          </a:ln>
+        </p:spPr>
+        <p:style>
+          <a:lnRef idx="1">
+            <a:schemeClr val="accent1"/>
+          </a:lnRef>
+          <a:fillRef idx="0">
+            <a:schemeClr val="accent1"/>
+          </a:fillRef>
+          <a:effectRef idx="0">
+            <a:schemeClr val="accent1"/>
+          </a:effectRef>
+          <a:fontRef idx="minor">
+            <a:schemeClr val="tx1"/>
+          </a:fontRef>
+        </p:style>
+      </p:cxnSp>
+      <p:cxnSp>
+        <p:nvCxnSpPr>
+          <p:cNvPr id="42" name="Straight Arrow Connector 41"/>
+          <p:cNvCxnSpPr>
+            <a:stCxn id="3" idx="2"/>
+          </p:cNvCxnSpPr>
+          <p:nvPr/>
+        </p:nvCxnSpPr>
+        <p:spPr>
+          <a:xfrm>
+            <a:off x="2729484" y="1453896"/>
+            <a:ext cx="4572" cy="548640"/>
+          </a:xfrm>
+          <a:prstGeom prst="straightConnector1">
+            <a:avLst/>
+          </a:prstGeom>
+          <a:ln>
+            <a:solidFill>
+              <a:schemeClr val="bg1"/>
+            </a:solidFill>
+            <a:tailEnd type="arrow"/>
+          </a:ln>
+        </p:spPr>
+        <p:style>
+          <a:lnRef idx="1">
+            <a:schemeClr val="accent1"/>
+          </a:lnRef>
+          <a:fillRef idx="0">
+            <a:schemeClr val="accent1"/>
+          </a:fillRef>
+          <a:effectRef idx="0">
+            <a:schemeClr val="accent1"/>
+          </a:effectRef>
+          <a:fontRef idx="minor">
+            <a:schemeClr val="tx1"/>
+          </a:fontRef>
+        </p:style>
+      </p:cxnSp>
+      <p:cxnSp>
+        <p:nvCxnSpPr>
+          <p:cNvPr id="48" name="Straight Arrow Connector 47"/>
+          <p:cNvCxnSpPr/>
+          <p:nvPr/>
+        </p:nvCxnSpPr>
+        <p:spPr>
+          <a:xfrm>
+            <a:off x="2816352" y="2834640"/>
+            <a:ext cx="0" cy="301752"/>
+          </a:xfrm>
+          <a:prstGeom prst="straightConnector1">
+            <a:avLst/>
+          </a:prstGeom>
+          <a:ln>
+            <a:solidFill>
+              <a:schemeClr val="bg1"/>
+            </a:solidFill>
+            <a:tailEnd type="arrow"/>
+          </a:ln>
+        </p:spPr>
+        <p:style>
+          <a:lnRef idx="1">
+            <a:schemeClr val="accent1"/>
+          </a:lnRef>
+          <a:fillRef idx="0">
+            <a:schemeClr val="accent1"/>
+          </a:fillRef>
+          <a:effectRef idx="0">
+            <a:schemeClr val="accent1"/>
+          </a:effectRef>
+          <a:fontRef idx="minor">
+            <a:schemeClr val="tx1"/>
+          </a:fontRef>
+        </p:style>
+      </p:cxnSp>
+      <p:cxnSp>
+        <p:nvCxnSpPr>
+          <p:cNvPr id="53" name="Straight Arrow Connector 52"/>
+          <p:cNvCxnSpPr/>
+          <p:nvPr/>
+        </p:nvCxnSpPr>
+        <p:spPr>
+          <a:xfrm>
+            <a:off x="6880860" y="1408176"/>
+            <a:ext cx="4572" cy="685800"/>
+          </a:xfrm>
+          <a:prstGeom prst="straightConnector1">
+            <a:avLst/>
+          </a:prstGeom>
+          <a:ln>
+            <a:solidFill>
+              <a:schemeClr val="bg1"/>
+            </a:solidFill>
+            <a:tailEnd type="arrow"/>
+          </a:ln>
+        </p:spPr>
+        <p:style>
+          <a:lnRef idx="1">
+            <a:schemeClr val="accent1"/>
+          </a:lnRef>
+          <a:fillRef idx="0">
+            <a:schemeClr val="accent1"/>
+          </a:fillRef>
+          <a:effectRef idx="0">
+            <a:schemeClr val="accent1"/>
+          </a:effectRef>
+          <a:fontRef idx="minor">
+            <a:schemeClr val="tx1"/>
+          </a:fontRef>
+        </p:style>
+      </p:cxnSp>
+      <p:cxnSp>
+        <p:nvCxnSpPr>
+          <p:cNvPr id="62" name="Straight Arrow Connector 61"/>
+          <p:cNvCxnSpPr>
+            <a:endCxn id="8" idx="1"/>
+          </p:cNvCxnSpPr>
+          <p:nvPr/>
+        </p:nvCxnSpPr>
+        <p:spPr>
+          <a:xfrm>
+            <a:off x="8138160" y="2368296"/>
+            <a:ext cx="1014984" cy="13716"/>
+          </a:xfrm>
+          <a:prstGeom prst="straightConnector1">
+            <a:avLst/>
+          </a:prstGeom>
+          <a:ln>
+            <a:solidFill>
+              <a:schemeClr val="bg1"/>
+            </a:solidFill>
+            <a:tailEnd type="arrow"/>
+          </a:ln>
+        </p:spPr>
+        <p:style>
+          <a:lnRef idx="1">
+            <a:schemeClr val="accent1"/>
+          </a:lnRef>
+          <a:fillRef idx="0">
+            <a:schemeClr val="accent1"/>
+          </a:fillRef>
+          <a:effectRef idx="0">
+            <a:schemeClr val="accent1"/>
+          </a:effectRef>
+          <a:fontRef idx="minor">
+            <a:schemeClr val="tx1"/>
+          </a:fontRef>
+        </p:style>
+      </p:cxnSp>
+      <p:cxnSp>
+        <p:nvCxnSpPr>
+          <p:cNvPr id="70" name="Straight Arrow Connector 69"/>
+          <p:cNvCxnSpPr/>
+          <p:nvPr/>
+        </p:nvCxnSpPr>
+        <p:spPr>
+          <a:xfrm flipH="1">
+            <a:off x="10113264" y="1426464"/>
+            <a:ext cx="9144" cy="594360"/>
+          </a:xfrm>
+          <a:prstGeom prst="straightConnector1">
+            <a:avLst/>
+          </a:prstGeom>
+          <a:ln>
+            <a:solidFill>
+              <a:schemeClr val="bg1"/>
+            </a:solidFill>
+            <a:tailEnd type="arrow"/>
+          </a:ln>
+        </p:spPr>
+        <p:style>
+          <a:lnRef idx="1">
+            <a:schemeClr val="accent1"/>
+          </a:lnRef>
+          <a:fillRef idx="0">
+            <a:schemeClr val="accent1"/>
+          </a:fillRef>
+          <a:effectRef idx="0">
+            <a:schemeClr val="accent1"/>
+          </a:effectRef>
+          <a:fontRef idx="minor">
+            <a:schemeClr val="tx1"/>
+          </a:fontRef>
+        </p:style>
+      </p:cxnSp>
+      <p:cxnSp>
+        <p:nvCxnSpPr>
+          <p:cNvPr id="75" name="Straight Arrow Connector 74"/>
+          <p:cNvCxnSpPr/>
+          <p:nvPr/>
+        </p:nvCxnSpPr>
+        <p:spPr>
+          <a:xfrm>
+            <a:off x="10122408" y="2688336"/>
+            <a:ext cx="27432" cy="566928"/>
+          </a:xfrm>
+          <a:prstGeom prst="straightConnector1">
+            <a:avLst/>
+          </a:prstGeom>
+          <a:ln>
+            <a:solidFill>
+              <a:schemeClr val="bg1"/>
+            </a:solidFill>
+            <a:tailEnd type="arrow"/>
+          </a:ln>
+        </p:spPr>
+        <p:style>
+          <a:lnRef idx="1">
+            <a:schemeClr val="accent1"/>
+          </a:lnRef>
+          <a:fillRef idx="0">
+            <a:schemeClr val="accent1"/>
+          </a:fillRef>
+          <a:effectRef idx="0">
+            <a:schemeClr val="accent1"/>
+          </a:effectRef>
+          <a:fontRef idx="minor">
+            <a:schemeClr val="tx1"/>
+          </a:fontRef>
+        </p:style>
+      </p:cxnSp>
+      <p:cxnSp>
+        <p:nvCxnSpPr>
+          <p:cNvPr id="79" name="Straight Arrow Connector 78"/>
+          <p:cNvCxnSpPr>
+            <a:stCxn id="10" idx="1"/>
+            <a:endCxn id="11" idx="3"/>
+          </p:cNvCxnSpPr>
+          <p:nvPr/>
+        </p:nvCxnSpPr>
+        <p:spPr>
+          <a:xfrm flipH="1">
+            <a:off x="8357616" y="3570732"/>
+            <a:ext cx="813816" cy="0"/>
+          </a:xfrm>
+          <a:prstGeom prst="straightConnector1">
+            <a:avLst/>
+          </a:prstGeom>
+          <a:ln>
+            <a:solidFill>
+              <a:schemeClr val="bg1"/>
+            </a:solidFill>
+            <a:tailEnd type="arrow"/>
+          </a:ln>
+        </p:spPr>
+        <p:style>
+          <a:lnRef idx="1">
+            <a:schemeClr val="accent1"/>
+          </a:lnRef>
+          <a:fillRef idx="0">
+            <a:schemeClr val="accent1"/>
+          </a:fillRef>
+          <a:effectRef idx="0">
+            <a:schemeClr val="accent1"/>
+          </a:effectRef>
+          <a:fontRef idx="minor">
+            <a:schemeClr val="tx1"/>
+          </a:fontRef>
+        </p:style>
+      </p:cxnSp>
+      <p:cxnSp>
+        <p:nvCxnSpPr>
+          <p:cNvPr id="83" name="Straight Arrow Connector 82"/>
+          <p:cNvCxnSpPr/>
+          <p:nvPr/>
+        </p:nvCxnSpPr>
+        <p:spPr>
+          <a:xfrm flipH="1">
+            <a:off x="7168896" y="3941064"/>
+            <a:ext cx="9144" cy="283464"/>
+          </a:xfrm>
+          <a:prstGeom prst="straightConnector1">
+            <a:avLst/>
+          </a:prstGeom>
+          <a:ln>
+            <a:solidFill>
+              <a:schemeClr val="bg1"/>
+            </a:solidFill>
+            <a:tailEnd type="arrow"/>
+          </a:ln>
+        </p:spPr>
+        <p:style>
+          <a:lnRef idx="1">
+            <a:schemeClr val="accent1"/>
+          </a:lnRef>
+          <a:fillRef idx="0">
+            <a:schemeClr val="accent1"/>
+          </a:fillRef>
+          <a:effectRef idx="0">
+            <a:schemeClr val="accent1"/>
+          </a:effectRef>
+          <a:fontRef idx="minor">
+            <a:schemeClr val="tx1"/>
+          </a:fontRef>
+        </p:style>
+      </p:cxnSp>
+      <p:cxnSp>
+        <p:nvCxnSpPr>
+          <p:cNvPr id="100" name="Straight Arrow Connector 99"/>
+          <p:cNvCxnSpPr>
+            <a:endCxn id="12" idx="0"/>
+          </p:cNvCxnSpPr>
+          <p:nvPr/>
+        </p:nvCxnSpPr>
+        <p:spPr>
+          <a:xfrm flipH="1">
+            <a:off x="2976372" y="3858768"/>
+            <a:ext cx="22860" cy="402336"/>
+          </a:xfrm>
+          <a:prstGeom prst="straightConnector1">
+            <a:avLst/>
+          </a:prstGeom>
+          <a:ln>
+            <a:solidFill>
+              <a:schemeClr val="bg1"/>
+            </a:solidFill>
+            <a:tailEnd type="arrow"/>
+          </a:ln>
+        </p:spPr>
+        <p:style>
+          <a:lnRef idx="1">
+            <a:schemeClr val="accent1"/>
+          </a:lnRef>
+          <a:fillRef idx="0">
+            <a:schemeClr val="accent1"/>
+          </a:fillRef>
+          <a:effectRef idx="0">
+            <a:schemeClr val="accent1"/>
+          </a:effectRef>
+          <a:fontRef idx="minor">
+            <a:schemeClr val="tx1"/>
+          </a:fontRef>
+        </p:style>
+      </p:cxnSp>
+      <p:cxnSp>
+        <p:nvCxnSpPr>
+          <p:cNvPr id="105" name="Elbow Connector 104"/>
+          <p:cNvCxnSpPr>
+            <a:stCxn id="12" idx="1"/>
+            <a:endCxn id="14" idx="1"/>
+          </p:cNvCxnSpPr>
+          <p:nvPr/>
+        </p:nvCxnSpPr>
+        <p:spPr>
+          <a:xfrm rot="10800000" flipH="1" flipV="1">
+            <a:off x="1362456" y="4686300"/>
+            <a:ext cx="914400" cy="1353312"/>
+          </a:xfrm>
+          <a:prstGeom prst="bentConnector3">
+            <a:avLst>
+              <a:gd name="adj1" fmla="val -25000"/>
+            </a:avLst>
+          </a:prstGeom>
+          <a:ln>
+            <a:solidFill>
+              <a:schemeClr val="bg1"/>
+            </a:solidFill>
+            <a:tailEnd type="arrow"/>
+          </a:ln>
+        </p:spPr>
+        <p:style>
+          <a:lnRef idx="1">
+            <a:schemeClr val="accent1"/>
+          </a:lnRef>
+          <a:fillRef idx="0">
+            <a:schemeClr val="accent1"/>
+          </a:fillRef>
+          <a:effectRef idx="0">
+            <a:schemeClr val="accent1"/>
+          </a:effectRef>
+          <a:fontRef idx="minor">
+            <a:schemeClr val="tx1"/>
+          </a:fontRef>
+        </p:style>
+      </p:cxnSp>
+      <p:cxnSp>
+        <p:nvCxnSpPr>
+          <p:cNvPr id="109" name="Elbow Connector 108"/>
+          <p:cNvCxnSpPr/>
+          <p:nvPr/>
+        </p:nvCxnSpPr>
+        <p:spPr>
+          <a:xfrm rot="10800000" flipV="1">
+            <a:off x="2916936" y="4599432"/>
+            <a:ext cx="2798064" cy="777240"/>
+          </a:xfrm>
+          <a:prstGeom prst="bentConnector3">
+            <a:avLst>
+              <a:gd name="adj1" fmla="val 24510"/>
+            </a:avLst>
+          </a:prstGeom>
+          <a:ln>
+            <a:solidFill>
+              <a:schemeClr val="bg1"/>
+            </a:solidFill>
+            <a:tailEnd type="arrow"/>
+          </a:ln>
+        </p:spPr>
+        <p:style>
+          <a:lnRef idx="1">
+            <a:schemeClr val="accent1"/>
+          </a:lnRef>
+          <a:fillRef idx="0">
+            <a:schemeClr val="accent1"/>
+          </a:fillRef>
+          <a:effectRef idx="0">
+            <a:schemeClr val="accent1"/>
+          </a:effectRef>
+          <a:fontRef idx="minor">
+            <a:schemeClr val="tx1"/>
+          </a:fontRef>
+        </p:style>
+      </p:cxnSp>
+      <p:cxnSp>
+        <p:nvCxnSpPr>
+          <p:cNvPr id="122" name="Straight Arrow Connector 121"/>
+          <p:cNvCxnSpPr>
+            <a:endCxn id="14" idx="0"/>
+          </p:cNvCxnSpPr>
+          <p:nvPr/>
+        </p:nvCxnSpPr>
+        <p:spPr>
+          <a:xfrm>
+            <a:off x="2971800" y="5431536"/>
+            <a:ext cx="13716" cy="310896"/>
+          </a:xfrm>
+          <a:prstGeom prst="straightConnector1">
+            <a:avLst/>
+          </a:prstGeom>
+          <a:ln>
+            <a:solidFill>
+              <a:schemeClr val="bg1"/>
+            </a:solidFill>
+            <a:tailEnd type="arrow"/>
+          </a:ln>
+        </p:spPr>
+        <p:style>
+          <a:lnRef idx="1">
+            <a:schemeClr val="accent1"/>
+          </a:lnRef>
+          <a:fillRef idx="0">
+            <a:schemeClr val="accent1"/>
+          </a:fillRef>
+          <a:effectRef idx="0">
+            <a:schemeClr val="accent1"/>
+          </a:effectRef>
+          <a:fontRef idx="minor">
+            <a:schemeClr val="tx1"/>
+          </a:fontRef>
+        </p:style>
+      </p:cxnSp>
+      <p:cxnSp>
+        <p:nvCxnSpPr>
+          <p:cNvPr id="129" name="Straight Arrow Connector 128"/>
+          <p:cNvCxnSpPr>
+            <a:stCxn id="14" idx="3"/>
+            <a:endCxn id="16" idx="1"/>
+          </p:cNvCxnSpPr>
+          <p:nvPr/>
+        </p:nvCxnSpPr>
+        <p:spPr>
+          <a:xfrm flipV="1">
+            <a:off x="3694176" y="6016752"/>
+            <a:ext cx="950976" cy="22860"/>
+          </a:xfrm>
+          <a:prstGeom prst="straightConnector1">
+            <a:avLst/>
+          </a:prstGeom>
+          <a:ln>
+            <a:solidFill>
+              <a:schemeClr val="bg1"/>
+            </a:solidFill>
+            <a:tailEnd type="arrow"/>
+          </a:ln>
+        </p:spPr>
+        <p:style>
+          <a:lnRef idx="1">
+            <a:schemeClr val="accent1"/>
+          </a:lnRef>
+          <a:fillRef idx="0">
+            <a:schemeClr val="accent1"/>
+          </a:fillRef>
+          <a:effectRef idx="0">
+            <a:schemeClr val="accent1"/>
+          </a:effectRef>
+          <a:fontRef idx="minor">
+            <a:schemeClr val="tx1"/>
+          </a:fontRef>
+        </p:style>
+      </p:cxnSp>
+      <p:cxnSp>
+        <p:nvCxnSpPr>
+          <p:cNvPr id="133" name="Straight Arrow Connector 132"/>
+          <p:cNvCxnSpPr>
+            <a:stCxn id="16" idx="3"/>
+            <a:endCxn id="17" idx="2"/>
+          </p:cNvCxnSpPr>
+          <p:nvPr/>
+        </p:nvCxnSpPr>
+        <p:spPr>
+          <a:xfrm>
+            <a:off x="6025896" y="6016752"/>
+            <a:ext cx="1289304" cy="18288"/>
+          </a:xfrm>
+          <a:prstGeom prst="straightConnector1">
+            <a:avLst/>
+          </a:prstGeom>
+          <a:ln>
+            <a:solidFill>
+              <a:schemeClr val="bg1"/>
+            </a:solidFill>
+            <a:tailEnd type="arrow"/>
+          </a:ln>
+        </p:spPr>
+        <p:style>
+          <a:lnRef idx="1">
+            <a:schemeClr val="accent1"/>
+          </a:lnRef>
+          <a:fillRef idx="0">
+            <a:schemeClr val="accent1"/>
+          </a:fillRef>
+          <a:effectRef idx="0">
+            <a:schemeClr val="accent1"/>
+          </a:effectRef>
+          <a:fontRef idx="minor">
+            <a:schemeClr val="tx1"/>
+          </a:fontRef>
+        </p:style>
+      </p:cxnSp>
+      <p:cxnSp>
+        <p:nvCxnSpPr>
+          <p:cNvPr id="137" name="Elbow Connector 136"/>
+          <p:cNvCxnSpPr>
+            <a:stCxn id="12" idx="3"/>
+          </p:cNvCxnSpPr>
+          <p:nvPr/>
+        </p:nvCxnSpPr>
+        <p:spPr>
+          <a:xfrm flipH="1" flipV="1">
+            <a:off x="3017520" y="4096512"/>
+            <a:ext cx="1572768" cy="589788"/>
+          </a:xfrm>
+          <a:prstGeom prst="bentConnector3">
+            <a:avLst>
+              <a:gd name="adj1" fmla="val -14535"/>
+            </a:avLst>
+          </a:prstGeom>
+          <a:ln>
+            <a:solidFill>
+              <a:schemeClr val="bg1"/>
+            </a:solidFill>
+            <a:tailEnd type="arrow"/>
+          </a:ln>
+        </p:spPr>
+        <p:style>
+          <a:lnRef idx="1">
+            <a:schemeClr val="accent1"/>
+          </a:lnRef>
+          <a:fillRef idx="0">
+            <a:schemeClr val="accent1"/>
+          </a:fillRef>
+          <a:effectRef idx="0">
+            <a:schemeClr val="accent1"/>
+          </a:effectRef>
+          <a:fontRef idx="minor">
+            <a:schemeClr val="tx1"/>
+          </a:fontRef>
+        </p:style>
+      </p:cxnSp>
+      <p:cxnSp>
+        <p:nvCxnSpPr>
+          <p:cNvPr id="146" name="Straight Arrow Connector 145"/>
+          <p:cNvCxnSpPr>
+            <a:stCxn id="13" idx="3"/>
+          </p:cNvCxnSpPr>
+          <p:nvPr/>
+        </p:nvCxnSpPr>
+        <p:spPr>
+          <a:xfrm>
+            <a:off x="8622792" y="4617720"/>
+            <a:ext cx="694944" cy="9144"/>
+          </a:xfrm>
+          <a:prstGeom prst="straightConnector1">
+            <a:avLst/>
+          </a:prstGeom>
+          <a:ln>
+            <a:solidFill>
+              <a:schemeClr val="bg1"/>
+            </a:solidFill>
+            <a:tailEnd type="arrow"/>
+          </a:ln>
+        </p:spPr>
+        <p:style>
+          <a:lnRef idx="1">
+            <a:schemeClr val="accent1"/>
+          </a:lnRef>
+          <a:fillRef idx="0">
+            <a:schemeClr val="accent1"/>
+          </a:fillRef>
+          <a:effectRef idx="0">
+            <a:schemeClr val="accent1"/>
+          </a:effectRef>
+          <a:fontRef idx="minor">
+            <a:schemeClr val="tx1"/>
+          </a:fontRef>
+        </p:style>
+      </p:cxnSp>
+      <p:cxnSp>
+        <p:nvCxnSpPr>
+          <p:cNvPr id="150" name="Elbow Connector 149"/>
+          <p:cNvCxnSpPr>
+            <a:stCxn id="15" idx="2"/>
+          </p:cNvCxnSpPr>
+          <p:nvPr/>
+        </p:nvCxnSpPr>
+        <p:spPr>
+          <a:xfrm rot="5400000">
+            <a:off x="7491222" y="2512314"/>
+            <a:ext cx="402336" cy="5326380"/>
+          </a:xfrm>
+          <a:prstGeom prst="bentConnector2">
+            <a:avLst/>
+          </a:prstGeom>
+          <a:ln>
+            <a:solidFill>
+              <a:schemeClr val="bg1"/>
+            </a:solidFill>
+            <a:tailEnd type="arrow"/>
+          </a:ln>
+        </p:spPr>
+        <p:style>
+          <a:lnRef idx="1">
+            <a:schemeClr val="accent1"/>
+          </a:lnRef>
+          <a:fillRef idx="0">
+            <a:schemeClr val="accent1"/>
+          </a:fillRef>
+          <a:effectRef idx="0">
+            <a:schemeClr val="accent1"/>
+          </a:effectRef>
+          <a:fontRef idx="minor">
+            <a:schemeClr val="tx1"/>
+          </a:fontRef>
+        </p:style>
+      </p:cxnSp>
+    </p:spTree>
+  </p:cSld>
+  <p:clrMapOvr>
+    <a:masterClrMapping/>
+  </p:clrMapOvr>
 </p:sld>
 </file>
 
@@ -13386,7 +15092,7 @@
           <a:blip r:embed="rId2" cstate="print">
             <a:extLst>
               <a:ext uri="{28A0092B-C50C-407E-A947-70E740481C1C}">
-                <a14:useLocalDpi xmlns:a14="http://schemas.microsoft.com/office/drawing/2010/main" xmlns="" val="0"/>
+                <a14:useLocalDpi xmlns="" xmlns:a14="http://schemas.microsoft.com/office/drawing/2010/main" val="0"/>
               </a:ext>
             </a:extLst>
           </a:blip>
@@ -13433,7 +15139,7 @@
     </p:spTree>
     <p:extLst>
       <p:ext uri="{BB962C8B-B14F-4D97-AF65-F5344CB8AC3E}">
-        <p14:creationId xmlns:p14="http://schemas.microsoft.com/office/powerpoint/2010/main" xmlns="" val="551090893"/>
+        <p14:creationId xmlns="" xmlns:p14="http://schemas.microsoft.com/office/powerpoint/2010/main" val="551090893"/>
       </p:ext>
     </p:extLst>
   </p:cSld>
@@ -13649,7 +15355,7 @@
     </p:spTree>
     <p:extLst>
       <p:ext uri="{BB962C8B-B14F-4D97-AF65-F5344CB8AC3E}">
-        <p14:creationId xmlns:p14="http://schemas.microsoft.com/office/powerpoint/2010/main" xmlns="" val="2625934534"/>
+        <p14:creationId xmlns="" xmlns:p14="http://schemas.microsoft.com/office/powerpoint/2010/main" val="2625934534"/>
       </p:ext>
     </p:extLst>
   </p:cSld>
@@ -13812,7 +15518,7 @@
     </p:spTree>
     <p:extLst>
       <p:ext uri="{BB962C8B-B14F-4D97-AF65-F5344CB8AC3E}">
-        <p14:creationId xmlns:p14="http://schemas.microsoft.com/office/powerpoint/2010/main" xmlns="" val="1400058215"/>
+        <p14:creationId xmlns="" xmlns:p14="http://schemas.microsoft.com/office/powerpoint/2010/main" val="1400058215"/>
       </p:ext>
     </p:extLst>
   </p:cSld>
@@ -14060,69 +15766,45 @@
                 <a:latin typeface="Constantia"/>
                 <a:cs typeface="Constantia"/>
               </a:rPr>
-              <a:t>A common approach </a:t>
+              <a:t>A common approach of hiding data within an</a:t>
+            </a:r>
+            <a:r>
+              <a:rPr lang="en-US" sz="3200" spc="-12" dirty="0" smtClean="0">
+                <a:latin typeface="Constantia"/>
+                <a:cs typeface="Constantia"/>
+              </a:rPr>
+              <a:t> </a:t>
             </a:r>
             <a:r>
               <a:rPr lang="en-US" sz="3200" dirty="0" smtClean="0">
                 <a:latin typeface="Constantia"/>
                 <a:cs typeface="Constantia"/>
               </a:rPr>
-              <a:t>of </a:t>
+              <a:t>image</a:t>
+            </a:r>
+            <a:r>
+              <a:rPr lang="en-US" sz="3200" spc="10" dirty="0" smtClean="0">
+                <a:latin typeface="Constantia"/>
+                <a:cs typeface="Constantia"/>
+              </a:rPr>
+              <a:t> </a:t>
             </a:r>
             <a:r>
               <a:rPr lang="en-US" sz="3200" dirty="0" smtClean="0">
                 <a:latin typeface="Constantia"/>
                 <a:cs typeface="Constantia"/>
               </a:rPr>
-              <a:t>hiding data within an</a:t>
-            </a:r>
-            <a:r>
-              <a:rPr lang="en-US" sz="3200" spc="-12" dirty="0" smtClean="0">
+              <a:t>file is </a:t>
+            </a:r>
+            <a:r>
+              <a:rPr lang="en-US" sz="3200" dirty="0" smtClean="0">
+                <a:solidFill>
+                  <a:schemeClr val="accent1"/>
+                </a:solidFill>
                 <a:latin typeface="Constantia"/>
                 <a:cs typeface="Constantia"/>
               </a:rPr>
-              <a:t> </a:t>
-            </a:r>
-            <a:r>
-              <a:rPr lang="en-US" sz="3200" dirty="0" smtClean="0">
-                <a:latin typeface="Constantia"/>
-                <a:cs typeface="Constantia"/>
-              </a:rPr>
-              <a:t>image</a:t>
-            </a:r>
-            <a:r>
-              <a:rPr lang="en-US" sz="3200" spc="10" dirty="0" smtClean="0">
-                <a:latin typeface="Constantia"/>
-                <a:cs typeface="Constantia"/>
-              </a:rPr>
-              <a:t> </a:t>
-            </a:r>
-            <a:r>
-              <a:rPr lang="en-US" sz="3200" dirty="0" smtClean="0">
-                <a:latin typeface="Constantia"/>
-                <a:cs typeface="Constantia"/>
-              </a:rPr>
-              <a:t>file is </a:t>
-            </a:r>
-            <a:r>
-              <a:rPr lang="en-US" sz="3200" dirty="0" smtClean="0">
-                <a:solidFill>
-                  <a:schemeClr val="accent1"/>
-                </a:solidFill>
-                <a:latin typeface="Constantia"/>
-                <a:cs typeface="Constantia"/>
-              </a:rPr>
-              <a:t>Least Significant Bit (</a:t>
-            </a:r>
-            <a:r>
-              <a:rPr lang="en-US" sz="3200" dirty="0" smtClean="0">
-                <a:solidFill>
-                  <a:schemeClr val="accent1"/>
-                </a:solidFill>
-                <a:latin typeface="Constantia"/>
-                <a:cs typeface="Constantia"/>
-              </a:rPr>
-              <a:t>LSB) </a:t>
+              <a:t>Least Significant Bit (LSB) </a:t>
             </a:r>
             <a:r>
               <a:rPr lang="en-US" sz="3200" dirty="0" smtClean="0">
@@ -14143,14 +15825,7 @@
                 <a:latin typeface="Constantia"/>
                 <a:cs typeface="Constantia"/>
               </a:rPr>
-              <a:t>	</a:t>
-            </a:r>
-            <a:r>
-              <a:rPr lang="en-US" sz="3200" spc="-12" dirty="0" smtClean="0">
-                <a:latin typeface="Constantia"/>
-                <a:cs typeface="Constantia"/>
-              </a:rPr>
-              <a:t>In</a:t>
+              <a:t>	In</a:t>
             </a:r>
             <a:r>
               <a:rPr lang="en-US" sz="3200" spc="12" dirty="0" smtClean="0">
@@ -14164,17 +15839,57 @@
                 <a:latin typeface="Constantia"/>
                 <a:cs typeface="Constantia"/>
               </a:rPr>
-              <a:t>this method</a:t>
+              <a:t>this method, we</a:t>
+            </a:r>
+            <a:r>
+              <a:rPr lang="en-US" sz="3200" spc="15" dirty="0" smtClean="0">
+                <a:latin typeface="Constantia"/>
+                <a:cs typeface="Constantia"/>
+              </a:rPr>
+              <a:t> </a:t>
             </a:r>
             <a:r>
               <a:rPr lang="en-US" sz="3200" dirty="0" smtClean="0">
                 <a:latin typeface="Constantia"/>
                 <a:cs typeface="Constantia"/>
               </a:rPr>
-              <a:t>, we</a:t>
-            </a:r>
-            <a:r>
-              <a:rPr lang="en-US" sz="3200" spc="15" dirty="0" smtClean="0">
+              <a:t>can take the </a:t>
+            </a:r>
+            <a:r>
+              <a:rPr lang="en-US" sz="3200" b="1" dirty="0" smtClean="0">
+                <a:solidFill>
+                  <a:schemeClr val="accent1"/>
+                </a:solidFill>
+                <a:latin typeface="Constantia"/>
+                <a:cs typeface="Constantia"/>
+              </a:rPr>
+              <a:t>binary</a:t>
+            </a:r>
+            <a:r>
+              <a:rPr lang="en-US" sz="3200" b="1" spc="10" dirty="0" smtClean="0">
+                <a:solidFill>
+                  <a:schemeClr val="accent1"/>
+                </a:solidFill>
+                <a:latin typeface="Constantia"/>
+                <a:cs typeface="Constantia"/>
+              </a:rPr>
+              <a:t> </a:t>
+            </a:r>
+            <a:r>
+              <a:rPr lang="en-US" sz="3200" b="1" dirty="0" smtClean="0">
+                <a:solidFill>
+                  <a:schemeClr val="accent1"/>
+                </a:solidFill>
+                <a:latin typeface="Constantia"/>
+                <a:cs typeface="Constantia"/>
+              </a:rPr>
+              <a:t>representation</a:t>
+            </a:r>
+            <a:r>
+              <a:rPr lang="en-US" sz="3200" b="1" spc="56" dirty="0" smtClean="0">
+                <a:solidFill>
+                  <a:schemeClr val="accent1"/>
+                </a:solidFill>
                 <a:latin typeface="Constantia"/>
                 <a:cs typeface="Constantia"/>
               </a:rPr>
@@ -14185,50 +15900,38 @@
                 <a:latin typeface="Constantia"/>
                 <a:cs typeface="Constantia"/>
               </a:rPr>
-              <a:t>can </a:t>
+              <a:t>of the hidden</a:t>
+            </a:r>
+            <a:r>
+              <a:rPr lang="en-US" sz="3200" spc="-10" dirty="0" smtClean="0">
+                <a:latin typeface="Constantia"/>
+                <a:cs typeface="Constantia"/>
+              </a:rPr>
+              <a:t> </a:t>
             </a:r>
             <a:r>
               <a:rPr lang="en-US" sz="3200" dirty="0" smtClean="0">
                 <a:latin typeface="Constantia"/>
                 <a:cs typeface="Constantia"/>
               </a:rPr>
-              <a:t>take the </a:t>
-            </a:r>
-            <a:r>
-              <a:rPr lang="en-US" sz="3200" b="1" dirty="0" smtClean="0">
-                <a:solidFill>
-                  <a:schemeClr val="accent1"/>
-                </a:solidFill>
+              <a:t>data and</a:t>
+            </a:r>
+            <a:r>
+              <a:rPr lang="en-US" sz="3200" spc="10" dirty="0" smtClean="0">
                 <a:latin typeface="Constantia"/>
                 <a:cs typeface="Constantia"/>
               </a:rPr>
-              <a:t>binary</a:t>
-            </a:r>
-            <a:r>
-              <a:rPr lang="en-US" sz="3200" b="1" spc="10" dirty="0" smtClean="0">
-                <a:solidFill>
-                  <a:schemeClr val="accent1"/>
-                </a:solidFill>
+              <a:t> </a:t>
+            </a:r>
+            <a:r>
+              <a:rPr lang="en-US" sz="3200" b="1" dirty="0" smtClean="0">
                 <a:latin typeface="Constantia"/>
                 <a:cs typeface="Constantia"/>
               </a:rPr>
-              <a:t> </a:t>
-            </a:r>
-            <a:r>
-              <a:rPr lang="en-US" sz="3200" b="1" dirty="0" smtClean="0">
-                <a:solidFill>
-                  <a:schemeClr val="accent1"/>
-                </a:solidFill>
-                <a:latin typeface="Constantia"/>
-                <a:cs typeface="Constantia"/>
-              </a:rPr>
-              <a:t>representation</a:t>
-            </a:r>
-            <a:r>
-              <a:rPr lang="en-US" sz="3200" b="1" spc="56" dirty="0" smtClean="0">
-                <a:solidFill>
-                  <a:schemeClr val="accent1"/>
-                </a:solidFill>
+              <a:t>overwrite the LSB</a:t>
+            </a:r>
+            <a:r>
+              <a:rPr lang="en-US" sz="3200" b="1" spc="46" dirty="0" smtClean="0">
                 <a:latin typeface="Constantia"/>
                 <a:cs typeface="Constantia"/>
               </a:rPr>
@@ -14239,114 +15942,44 @@
                 <a:latin typeface="Constantia"/>
                 <a:cs typeface="Constantia"/>
               </a:rPr>
-              <a:t>of the </a:t>
+              <a:t>of </a:t>
+            </a:r>
+            <a:r>
+              <a:rPr lang="en-US" sz="3200" dirty="0" smtClean="0">
+                <a:solidFill>
+                  <a:schemeClr val="accent1"/>
+                </a:solidFill>
+                <a:latin typeface="Constantia"/>
+                <a:cs typeface="Constantia"/>
+              </a:rPr>
+              <a:t>each</a:t>
+            </a:r>
+            <a:r>
+              <a:rPr lang="en-US" sz="3200" spc="-11" dirty="0" smtClean="0">
+                <a:solidFill>
+                  <a:schemeClr val="accent1"/>
+                </a:solidFill>
+                <a:latin typeface="Constantia"/>
+                <a:cs typeface="Constantia"/>
+              </a:rPr>
+              <a:t> </a:t>
+            </a:r>
+            <a:r>
+              <a:rPr lang="en-US" sz="3200" dirty="0" smtClean="0">
+                <a:solidFill>
+                  <a:schemeClr val="accent1"/>
+                </a:solidFill>
+                <a:latin typeface="Constantia"/>
+                <a:cs typeface="Constantia"/>
+              </a:rPr>
+              <a:t>byte </a:t>
             </a:r>
             <a:r>
               <a:rPr lang="en-US" sz="3200" dirty="0" smtClean="0">
                 <a:latin typeface="Constantia"/>
                 <a:cs typeface="Constantia"/>
               </a:rPr>
-              <a:t>hidden</a:t>
-            </a:r>
-            <a:r>
-              <a:rPr lang="en-US" sz="3200" spc="-10" dirty="0" smtClean="0">
-                <a:latin typeface="Constantia"/>
-                <a:cs typeface="Constantia"/>
-              </a:rPr>
-              <a:t> </a:t>
-            </a:r>
-            <a:r>
-              <a:rPr lang="en-US" sz="3200" dirty="0" smtClean="0">
-                <a:latin typeface="Constantia"/>
-                <a:cs typeface="Constantia"/>
-              </a:rPr>
-              <a:t>data and</a:t>
-            </a:r>
-            <a:r>
-              <a:rPr lang="en-US" sz="3200" spc="10" dirty="0" smtClean="0">
-                <a:latin typeface="Constantia"/>
-                <a:cs typeface="Constantia"/>
-              </a:rPr>
-              <a:t> </a:t>
-            </a:r>
-            <a:r>
-              <a:rPr lang="en-US" sz="3200" b="1" dirty="0" smtClean="0">
-                <a:latin typeface="Constantia"/>
-                <a:cs typeface="Constantia"/>
-              </a:rPr>
-              <a:t>overwrite the </a:t>
-            </a:r>
-            <a:r>
-              <a:rPr lang="en-US" sz="3200" b="1" dirty="0" smtClean="0">
-                <a:latin typeface="Constantia"/>
-                <a:cs typeface="Constantia"/>
-              </a:rPr>
-              <a:t>LSB</a:t>
-            </a:r>
-            <a:r>
-              <a:rPr lang="en-US" sz="3200" b="1" spc="46" dirty="0" smtClean="0">
-                <a:latin typeface="Constantia"/>
-                <a:cs typeface="Constantia"/>
-              </a:rPr>
-              <a:t> </a:t>
-            </a:r>
-            <a:r>
-              <a:rPr lang="en-US" sz="3200" dirty="0" smtClean="0">
-                <a:latin typeface="Constantia"/>
-                <a:cs typeface="Constantia"/>
-              </a:rPr>
-              <a:t>of </a:t>
-            </a:r>
-            <a:r>
-              <a:rPr lang="en-US" sz="3200" dirty="0" smtClean="0">
-                <a:solidFill>
-                  <a:schemeClr val="accent1"/>
-                </a:solidFill>
-                <a:latin typeface="Constantia"/>
-                <a:cs typeface="Constantia"/>
-              </a:rPr>
-              <a:t>each</a:t>
-            </a:r>
-            <a:r>
-              <a:rPr lang="en-US" sz="3200" spc="-11" dirty="0" smtClean="0">
-                <a:solidFill>
-                  <a:schemeClr val="accent1"/>
-                </a:solidFill>
-                <a:latin typeface="Constantia"/>
-                <a:cs typeface="Constantia"/>
-              </a:rPr>
-              <a:t> </a:t>
-            </a:r>
-            <a:r>
-              <a:rPr lang="en-US" sz="3200" dirty="0" smtClean="0">
-                <a:solidFill>
-                  <a:schemeClr val="accent1"/>
-                </a:solidFill>
-                <a:latin typeface="Constantia"/>
-                <a:cs typeface="Constantia"/>
-              </a:rPr>
-              <a:t>byte </a:t>
-            </a:r>
-            <a:r>
-              <a:rPr lang="en-US" sz="3200" dirty="0" smtClean="0">
-                <a:latin typeface="Constantia"/>
-                <a:cs typeface="Constantia"/>
-              </a:rPr>
-              <a:t>within </a:t>
-            </a:r>
-            <a:r>
-              <a:rPr lang="en-US" sz="3200" dirty="0" smtClean="0">
-                <a:latin typeface="Constantia"/>
-                <a:cs typeface="Constantia"/>
-              </a:rPr>
-              <a:t>the cover  </a:t>
-            </a:r>
-            <a:r>
-              <a:rPr lang="en-US" sz="3200" dirty="0" smtClean="0">
-                <a:latin typeface="Constantia"/>
-                <a:cs typeface="Constantia"/>
-              </a:rPr>
-              <a:t>image.</a:t>
+              <a:t>within the cover  image.</a:t>
             </a:r>
           </a:p>
           <a:p>
@@ -15217,17 +16850,24 @@
                 <a:latin typeface="Constantia"/>
                 <a:cs typeface="Constantia"/>
               </a:rPr>
-              <a:t>distortion of the </a:t>
+              <a:t>distortion of the image which</a:t>
+            </a:r>
+            <a:r>
+              <a:rPr lang="en-US" sz="2800" spc="-15" dirty="0" smtClean="0">
+                <a:latin typeface="Constantia"/>
+                <a:cs typeface="Constantia"/>
+              </a:rPr>
+              <a:t> </a:t>
             </a:r>
             <a:r>
               <a:rPr lang="en-US" sz="2800" dirty="0" smtClean="0">
                 <a:latin typeface="Constantia"/>
                 <a:cs typeface="Constantia"/>
               </a:rPr>
-              <a:t>image which</a:t>
-            </a:r>
-            <a:r>
-              <a:rPr lang="en-US" sz="2800" spc="-15" dirty="0" smtClean="0">
+              <a:t>is</a:t>
+            </a:r>
+            <a:r>
+              <a:rPr lang="en-US" sz="2800" spc="-20" dirty="0" smtClean="0">
                 <a:latin typeface="Constantia"/>
                 <a:cs typeface="Constantia"/>
               </a:rPr>
@@ -15238,35 +16878,7 @@
                 <a:latin typeface="Constantia"/>
                 <a:cs typeface="Constantia"/>
               </a:rPr>
-              <a:t>is</a:t>
-            </a:r>
-            <a:r>
-              <a:rPr lang="en-US" sz="2800" spc="-20" dirty="0" smtClean="0">
-                <a:latin typeface="Constantia"/>
-                <a:cs typeface="Constantia"/>
-              </a:rPr>
-              <a:t> </a:t>
-            </a:r>
-            <a:r>
-              <a:rPr lang="en-US" sz="2800" dirty="0" smtClean="0">
-                <a:latin typeface="Constantia"/>
-                <a:cs typeface="Constantia"/>
-              </a:rPr>
-              <a:t>very </a:t>
-            </a:r>
-            <a:r>
-              <a:rPr lang="en-US" sz="2800" dirty="0" smtClean="0">
-                <a:latin typeface="Constantia"/>
-                <a:cs typeface="Constantia"/>
-              </a:rPr>
-              <a:t>much negligible </a:t>
-            </a:r>
-            <a:r>
-              <a:rPr lang="en-US" sz="2800" dirty="0" smtClean="0">
-                <a:latin typeface="Constantia"/>
-                <a:cs typeface="Constantia"/>
-              </a:rPr>
-              <a:t>for the human</a:t>
+              <a:t>very much negligible for the human</a:t>
             </a:r>
             <a:r>
               <a:rPr lang="en-US" sz="2800" spc="-12" dirty="0" smtClean="0">
@@ -15680,7 +17292,7 @@
   <a:extraClrSchemeLst/>
   <a:extLst>
     <a:ext uri="{05A4C25C-085E-4340-85A3-A5531E510DB2}">
-      <thm15:themeFamily xmlns:thm15="http://schemas.microsoft.com/office/thememl/2012/main" xmlns="" name="Wisp" id="{7CB32D59-10C0-40DD-B7BD-2E94284A981C}" vid="{F20B7C8E-B819-43F3-AAF9-EE50B1A83630}"/>
+      <thm15:themeFamily xmlns="" xmlns:thm15="http://schemas.microsoft.com/office/thememl/2012/main" name="Wisp" id="{7CB32D59-10C0-40DD-B7BD-2E94284A981C}" vid="{F20B7C8E-B819-43F3-AAF9-EE50B1A83630}"/>
     </a:ext>
   </a:extLst>
 </a:theme>
@@ -15941,7 +17553,7 @@
   <a:extraClrSchemeLst/>
   <a:extLst>
     <a:ext uri="{05A4C25C-085E-4340-85A3-A5531E510DB2}">
-      <thm15:themeFamily xmlns:thm15="http://schemas.microsoft.com/office/thememl/2012/main" xmlns="" name="Office Theme" id="{62F939B6-93AF-4DB8-9C6B-D6C7DFDC589F}" vid="{4A3C46E8-61CC-4603-A589-7422A47A8E4A}"/>
+      <thm15:themeFamily xmlns="" xmlns:thm15="http://schemas.microsoft.com/office/thememl/2012/main" name="Office Theme" id="{62F939B6-93AF-4DB8-9C6B-D6C7DFDC589F}" vid="{4A3C46E8-61CC-4603-A589-7422A47A8E4A}"/>
     </a:ext>
   </a:extLst>
 </a:theme>
